--- a/files/slides/lecture_3.pptx
+++ b/files/slides/lecture_3.pptx
@@ -140,6 +140,3002 @@
     </a:lvl9pPr>
   </p:defaultTextStyle>
 </p:presentation>
+</file>
+
+<file path=ppt/diagrams/colors1.xml><?xml version="1.0" encoding="utf-8"?>
+<dgm:colorsDef xmlns:dgm="http://schemas.openxmlformats.org/drawingml/2006/diagram" xmlns:a="http://schemas.openxmlformats.org/drawingml/2006/main" uniqueId="urn:microsoft.com/office/officeart/2005/8/colors/accent1_2">
+  <dgm:title val=""/>
+  <dgm:desc val=""/>
+  <dgm:catLst>
+    <dgm:cat type="accent1" pri="11200"/>
+  </dgm:catLst>
+  <dgm:styleLbl name="alignAcc1">
+    <dgm:fillClrLst meth="repeat">
+      <a:schemeClr val="lt1">
+        <a:alpha val="90000"/>
+      </a:schemeClr>
+    </dgm:fillClrLst>
+    <dgm:linClrLst meth="repeat">
+      <a:schemeClr val="accent1"/>
+    </dgm:linClrLst>
+    <dgm:effectClrLst/>
+    <dgm:txLinClrLst/>
+    <dgm:txFillClrLst meth="repeat">
+      <a:schemeClr val="dk1"/>
+    </dgm:txFillClrLst>
+    <dgm:txEffectClrLst/>
+  </dgm:styleLbl>
+  <dgm:styleLbl name="alignAccFollowNode1">
+    <dgm:fillClrLst meth="repeat">
+      <a:schemeClr val="accent1">
+        <a:alpha val="90000"/>
+        <a:tint val="40000"/>
+      </a:schemeClr>
+    </dgm:fillClrLst>
+    <dgm:linClrLst meth="repeat">
+      <a:schemeClr val="accent1">
+        <a:alpha val="90000"/>
+        <a:tint val="40000"/>
+      </a:schemeClr>
+    </dgm:linClrLst>
+    <dgm:effectClrLst/>
+    <dgm:txLinClrLst/>
+    <dgm:txFillClrLst meth="repeat">
+      <a:schemeClr val="dk1"/>
+    </dgm:txFillClrLst>
+    <dgm:txEffectClrLst/>
+  </dgm:styleLbl>
+  <dgm:styleLbl name="alignImgPlace1">
+    <dgm:fillClrLst meth="repeat">
+      <a:schemeClr val="accent1">
+        <a:tint val="50000"/>
+      </a:schemeClr>
+    </dgm:fillClrLst>
+    <dgm:linClrLst meth="repeat">
+      <a:schemeClr val="lt1"/>
+    </dgm:linClrLst>
+    <dgm:effectClrLst/>
+    <dgm:txLinClrLst/>
+    <dgm:txFillClrLst meth="repeat">
+      <a:schemeClr val="lt1"/>
+    </dgm:txFillClrLst>
+    <dgm:txEffectClrLst/>
+  </dgm:styleLbl>
+  <dgm:styleLbl name="alignNode1">
+    <dgm:fillClrLst meth="repeat">
+      <a:schemeClr val="accent1"/>
+    </dgm:fillClrLst>
+    <dgm:linClrLst meth="repeat">
+      <a:schemeClr val="accent1"/>
+    </dgm:linClrLst>
+    <dgm:effectClrLst/>
+    <dgm:txLinClrLst/>
+    <dgm:txFillClrLst/>
+    <dgm:txEffectClrLst/>
+  </dgm:styleLbl>
+  <dgm:styleLbl name="asst0">
+    <dgm:fillClrLst meth="repeat">
+      <a:schemeClr val="accent1"/>
+    </dgm:fillClrLst>
+    <dgm:linClrLst meth="repeat">
+      <a:schemeClr val="lt1"/>
+    </dgm:linClrLst>
+    <dgm:effectClrLst/>
+    <dgm:txLinClrLst/>
+    <dgm:txFillClrLst/>
+    <dgm:txEffectClrLst/>
+  </dgm:styleLbl>
+  <dgm:styleLbl name="asst1">
+    <dgm:fillClrLst meth="repeat">
+      <a:schemeClr val="accent1"/>
+    </dgm:fillClrLst>
+    <dgm:linClrLst meth="repeat">
+      <a:schemeClr val="lt1"/>
+    </dgm:linClrLst>
+    <dgm:effectClrLst/>
+    <dgm:txLinClrLst/>
+    <dgm:txFillClrLst/>
+    <dgm:txEffectClrLst/>
+  </dgm:styleLbl>
+  <dgm:styleLbl name="asst2">
+    <dgm:fillClrLst meth="repeat">
+      <a:schemeClr val="accent1"/>
+    </dgm:fillClrLst>
+    <dgm:linClrLst meth="repeat">
+      <a:schemeClr val="lt1"/>
+    </dgm:linClrLst>
+    <dgm:effectClrLst/>
+    <dgm:txLinClrLst/>
+    <dgm:txFillClrLst/>
+    <dgm:txEffectClrLst/>
+  </dgm:styleLbl>
+  <dgm:styleLbl name="asst3">
+    <dgm:fillClrLst meth="repeat">
+      <a:schemeClr val="accent1"/>
+    </dgm:fillClrLst>
+    <dgm:linClrLst meth="repeat">
+      <a:schemeClr val="lt1"/>
+    </dgm:linClrLst>
+    <dgm:effectClrLst/>
+    <dgm:txLinClrLst/>
+    <dgm:txFillClrLst/>
+    <dgm:txEffectClrLst/>
+  </dgm:styleLbl>
+  <dgm:styleLbl name="asst4">
+    <dgm:fillClrLst meth="repeat">
+      <a:schemeClr val="accent1"/>
+    </dgm:fillClrLst>
+    <dgm:linClrLst meth="repeat">
+      <a:schemeClr val="lt1"/>
+    </dgm:linClrLst>
+    <dgm:effectClrLst/>
+    <dgm:txLinClrLst/>
+    <dgm:txFillClrLst/>
+    <dgm:txEffectClrLst/>
+  </dgm:styleLbl>
+  <dgm:styleLbl name="bgAcc1">
+    <dgm:fillClrLst meth="repeat">
+      <a:schemeClr val="lt1">
+        <a:alpha val="90000"/>
+      </a:schemeClr>
+    </dgm:fillClrLst>
+    <dgm:linClrLst meth="repeat">
+      <a:schemeClr val="accent1"/>
+    </dgm:linClrLst>
+    <dgm:effectClrLst/>
+    <dgm:txLinClrLst/>
+    <dgm:txFillClrLst meth="repeat">
+      <a:schemeClr val="dk1"/>
+    </dgm:txFillClrLst>
+    <dgm:txEffectClrLst/>
+  </dgm:styleLbl>
+  <dgm:styleLbl name="bgAccFollowNode1">
+    <dgm:fillClrLst meth="repeat">
+      <a:schemeClr val="accent1">
+        <a:alpha val="90000"/>
+        <a:tint val="40000"/>
+      </a:schemeClr>
+    </dgm:fillClrLst>
+    <dgm:linClrLst meth="repeat">
+      <a:schemeClr val="accent1">
+        <a:alpha val="90000"/>
+        <a:tint val="40000"/>
+      </a:schemeClr>
+    </dgm:linClrLst>
+    <dgm:effectClrLst/>
+    <dgm:txLinClrLst/>
+    <dgm:txFillClrLst meth="repeat">
+      <a:schemeClr val="dk1"/>
+    </dgm:txFillClrLst>
+    <dgm:txEffectClrLst/>
+  </dgm:styleLbl>
+  <dgm:styleLbl name="bgImgPlace1">
+    <dgm:fillClrLst meth="repeat">
+      <a:schemeClr val="accent1">
+        <a:tint val="50000"/>
+      </a:schemeClr>
+    </dgm:fillClrLst>
+    <dgm:linClrLst meth="repeat">
+      <a:schemeClr val="lt1"/>
+    </dgm:linClrLst>
+    <dgm:effectClrLst/>
+    <dgm:txLinClrLst/>
+    <dgm:txFillClrLst meth="repeat">
+      <a:schemeClr val="lt1"/>
+    </dgm:txFillClrLst>
+    <dgm:txEffectClrLst/>
+  </dgm:styleLbl>
+  <dgm:styleLbl name="bgShp">
+    <dgm:fillClrLst meth="repeat">
+      <a:schemeClr val="accent1">
+        <a:tint val="40000"/>
+      </a:schemeClr>
+    </dgm:fillClrLst>
+    <dgm:linClrLst meth="repeat">
+      <a:schemeClr val="accent1"/>
+    </dgm:linClrLst>
+    <dgm:effectClrLst/>
+    <dgm:txLinClrLst/>
+    <dgm:txFillClrLst meth="repeat">
+      <a:schemeClr val="dk1"/>
+    </dgm:txFillClrLst>
+    <dgm:txEffectClrLst/>
+  </dgm:styleLbl>
+  <dgm:styleLbl name="bgSibTrans2D1">
+    <dgm:fillClrLst meth="repeat">
+      <a:schemeClr val="accent1">
+        <a:tint val="60000"/>
+      </a:schemeClr>
+    </dgm:fillClrLst>
+    <dgm:linClrLst meth="repeat">
+      <a:schemeClr val="accent1">
+        <a:tint val="60000"/>
+      </a:schemeClr>
+    </dgm:linClrLst>
+    <dgm:effectClrLst/>
+    <dgm:txLinClrLst/>
+    <dgm:txFillClrLst/>
+    <dgm:txEffectClrLst/>
+  </dgm:styleLbl>
+  <dgm:styleLbl name="callout">
+    <dgm:fillClrLst meth="repeat">
+      <a:schemeClr val="accent1"/>
+    </dgm:fillClrLst>
+    <dgm:linClrLst meth="repeat">
+      <a:schemeClr val="accent1">
+        <a:tint val="50000"/>
+      </a:schemeClr>
+    </dgm:linClrLst>
+    <dgm:effectClrLst/>
+    <dgm:txLinClrLst/>
+    <dgm:txFillClrLst meth="repeat">
+      <a:schemeClr val="tx1"/>
+    </dgm:txFillClrLst>
+    <dgm:txEffectClrLst/>
+  </dgm:styleLbl>
+  <dgm:styleLbl name="conFgAcc1">
+    <dgm:fillClrLst meth="repeat">
+      <a:schemeClr val="lt1">
+        <a:alpha val="90000"/>
+      </a:schemeClr>
+    </dgm:fillClrLst>
+    <dgm:linClrLst meth="repeat">
+      <a:schemeClr val="accent1"/>
+    </dgm:linClrLst>
+    <dgm:effectClrLst/>
+    <dgm:txLinClrLst/>
+    <dgm:txFillClrLst meth="repeat">
+      <a:schemeClr val="dk1"/>
+    </dgm:txFillClrLst>
+    <dgm:txEffectClrLst/>
+  </dgm:styleLbl>
+  <dgm:styleLbl name="dkBgShp">
+    <dgm:fillClrLst meth="repeat">
+      <a:schemeClr val="accent1">
+        <a:shade val="80000"/>
+      </a:schemeClr>
+    </dgm:fillClrLst>
+    <dgm:linClrLst meth="repeat">
+      <a:schemeClr val="accent1"/>
+    </dgm:linClrLst>
+    <dgm:effectClrLst/>
+    <dgm:txLinClrLst/>
+    <dgm:txFillClrLst meth="repeat">
+      <a:schemeClr val="lt1"/>
+    </dgm:txFillClrLst>
+    <dgm:txEffectClrLst/>
+  </dgm:styleLbl>
+  <dgm:styleLbl name="fgAcc0">
+    <dgm:fillClrLst meth="repeat">
+      <a:schemeClr val="lt1">
+        <a:alpha val="90000"/>
+      </a:schemeClr>
+    </dgm:fillClrLst>
+    <dgm:linClrLst meth="repeat">
+      <a:schemeClr val="accent1"/>
+    </dgm:linClrLst>
+    <dgm:effectClrLst/>
+    <dgm:txLinClrLst/>
+    <dgm:txFillClrLst meth="repeat">
+      <a:schemeClr val="dk1"/>
+    </dgm:txFillClrLst>
+    <dgm:txEffectClrLst/>
+  </dgm:styleLbl>
+  <dgm:styleLbl name="fgAcc1">
+    <dgm:fillClrLst meth="repeat">
+      <a:schemeClr val="lt1">
+        <a:alpha val="90000"/>
+      </a:schemeClr>
+    </dgm:fillClrLst>
+    <dgm:linClrLst meth="repeat">
+      <a:schemeClr val="accent1"/>
+    </dgm:linClrLst>
+    <dgm:effectClrLst/>
+    <dgm:txLinClrLst/>
+    <dgm:txFillClrLst meth="repeat">
+      <a:schemeClr val="dk1"/>
+    </dgm:txFillClrLst>
+    <dgm:txEffectClrLst/>
+  </dgm:styleLbl>
+  <dgm:styleLbl name="fgAcc2">
+    <dgm:fillClrLst meth="repeat">
+      <a:schemeClr val="lt1">
+        <a:alpha val="90000"/>
+      </a:schemeClr>
+    </dgm:fillClrLst>
+    <dgm:linClrLst meth="repeat">
+      <a:schemeClr val="accent1"/>
+    </dgm:linClrLst>
+    <dgm:effectClrLst/>
+    <dgm:txLinClrLst/>
+    <dgm:txFillClrLst meth="repeat">
+      <a:schemeClr val="dk1"/>
+    </dgm:txFillClrLst>
+    <dgm:txEffectClrLst/>
+  </dgm:styleLbl>
+  <dgm:styleLbl name="fgAcc3">
+    <dgm:fillClrLst meth="repeat">
+      <a:schemeClr val="lt1">
+        <a:alpha val="90000"/>
+      </a:schemeClr>
+    </dgm:fillClrLst>
+    <dgm:linClrLst meth="repeat">
+      <a:schemeClr val="accent1"/>
+    </dgm:linClrLst>
+    <dgm:effectClrLst/>
+    <dgm:txLinClrLst/>
+    <dgm:txFillClrLst meth="repeat">
+      <a:schemeClr val="dk1"/>
+    </dgm:txFillClrLst>
+    <dgm:txEffectClrLst/>
+  </dgm:styleLbl>
+  <dgm:styleLbl name="fgAcc4">
+    <dgm:fillClrLst meth="repeat">
+      <a:schemeClr val="lt1">
+        <a:alpha val="90000"/>
+      </a:schemeClr>
+    </dgm:fillClrLst>
+    <dgm:linClrLst meth="repeat">
+      <a:schemeClr val="accent1"/>
+    </dgm:linClrLst>
+    <dgm:effectClrLst/>
+    <dgm:txLinClrLst/>
+    <dgm:txFillClrLst meth="repeat">
+      <a:schemeClr val="dk1"/>
+    </dgm:txFillClrLst>
+    <dgm:txEffectClrLst/>
+  </dgm:styleLbl>
+  <dgm:styleLbl name="fgAccFollowNode1">
+    <dgm:fillClrLst meth="repeat">
+      <a:schemeClr val="accent1">
+        <a:alpha val="90000"/>
+        <a:tint val="40000"/>
+      </a:schemeClr>
+    </dgm:fillClrLst>
+    <dgm:linClrLst meth="repeat">
+      <a:schemeClr val="accent1">
+        <a:alpha val="90000"/>
+        <a:tint val="40000"/>
+      </a:schemeClr>
+    </dgm:linClrLst>
+    <dgm:effectClrLst/>
+    <dgm:txLinClrLst/>
+    <dgm:txFillClrLst meth="repeat">
+      <a:schemeClr val="dk1"/>
+    </dgm:txFillClrLst>
+    <dgm:txEffectClrLst/>
+  </dgm:styleLbl>
+  <dgm:styleLbl name="fgImgPlace1">
+    <dgm:fillClrLst meth="repeat">
+      <a:schemeClr val="accent1">
+        <a:tint val="50000"/>
+      </a:schemeClr>
+    </dgm:fillClrLst>
+    <dgm:linClrLst meth="repeat">
+      <a:schemeClr val="lt1"/>
+    </dgm:linClrLst>
+    <dgm:effectClrLst/>
+    <dgm:txLinClrLst/>
+    <dgm:txFillClrLst meth="repeat">
+      <a:schemeClr val="lt1"/>
+    </dgm:txFillClrLst>
+    <dgm:txEffectClrLst/>
+  </dgm:styleLbl>
+  <dgm:styleLbl name="fgShp">
+    <dgm:fillClrLst meth="repeat">
+      <a:schemeClr val="accent1">
+        <a:tint val="60000"/>
+      </a:schemeClr>
+    </dgm:fillClrLst>
+    <dgm:linClrLst meth="repeat">
+      <a:schemeClr val="lt1"/>
+    </dgm:linClrLst>
+    <dgm:effectClrLst/>
+    <dgm:txLinClrLst/>
+    <dgm:txFillClrLst meth="repeat">
+      <a:schemeClr val="dk1"/>
+    </dgm:txFillClrLst>
+    <dgm:txEffectClrLst/>
+  </dgm:styleLbl>
+  <dgm:styleLbl name="fgSibTrans2D1">
+    <dgm:fillClrLst meth="repeat">
+      <a:schemeClr val="accent1">
+        <a:tint val="60000"/>
+      </a:schemeClr>
+    </dgm:fillClrLst>
+    <dgm:linClrLst meth="repeat">
+      <a:schemeClr val="accent1">
+        <a:tint val="60000"/>
+      </a:schemeClr>
+    </dgm:linClrLst>
+    <dgm:effectClrLst/>
+    <dgm:txLinClrLst/>
+    <dgm:txFillClrLst/>
+    <dgm:txEffectClrLst/>
+  </dgm:styleLbl>
+  <dgm:styleLbl name="lnNode1">
+    <dgm:fillClrLst meth="repeat">
+      <a:schemeClr val="accent1"/>
+    </dgm:fillClrLst>
+    <dgm:linClrLst meth="repeat">
+      <a:schemeClr val="lt1"/>
+    </dgm:linClrLst>
+    <dgm:effectClrLst/>
+    <dgm:txLinClrLst/>
+    <dgm:txFillClrLst/>
+    <dgm:txEffectClrLst/>
+  </dgm:styleLbl>
+  <dgm:styleLbl name="node0">
+    <dgm:fillClrLst meth="repeat">
+      <a:schemeClr val="accent1"/>
+    </dgm:fillClrLst>
+    <dgm:linClrLst meth="repeat">
+      <a:schemeClr val="lt1"/>
+    </dgm:linClrLst>
+    <dgm:effectClrLst/>
+    <dgm:txLinClrLst/>
+    <dgm:txFillClrLst/>
+    <dgm:txEffectClrLst/>
+  </dgm:styleLbl>
+  <dgm:styleLbl name="node1">
+    <dgm:fillClrLst meth="repeat">
+      <a:schemeClr val="accent1"/>
+    </dgm:fillClrLst>
+    <dgm:linClrLst meth="repeat">
+      <a:schemeClr val="lt1"/>
+    </dgm:linClrLst>
+    <dgm:effectClrLst/>
+    <dgm:txLinClrLst/>
+    <dgm:txFillClrLst/>
+    <dgm:txEffectClrLst/>
+  </dgm:styleLbl>
+  <dgm:styleLbl name="node2">
+    <dgm:fillClrLst meth="repeat">
+      <a:schemeClr val="accent1"/>
+    </dgm:fillClrLst>
+    <dgm:linClrLst meth="repeat">
+      <a:schemeClr val="lt1"/>
+    </dgm:linClrLst>
+    <dgm:effectClrLst/>
+    <dgm:txLinClrLst/>
+    <dgm:txFillClrLst/>
+    <dgm:txEffectClrLst/>
+  </dgm:styleLbl>
+  <dgm:styleLbl name="node3">
+    <dgm:fillClrLst meth="repeat">
+      <a:schemeClr val="accent1"/>
+    </dgm:fillClrLst>
+    <dgm:linClrLst meth="repeat">
+      <a:schemeClr val="lt1"/>
+    </dgm:linClrLst>
+    <dgm:effectClrLst/>
+    <dgm:txLinClrLst/>
+    <dgm:txFillClrLst/>
+    <dgm:txEffectClrLst/>
+  </dgm:styleLbl>
+  <dgm:styleLbl name="node4">
+    <dgm:fillClrLst meth="repeat">
+      <a:schemeClr val="accent1"/>
+    </dgm:fillClrLst>
+    <dgm:linClrLst meth="repeat">
+      <a:schemeClr val="lt1"/>
+    </dgm:linClrLst>
+    <dgm:effectClrLst/>
+    <dgm:txLinClrLst/>
+    <dgm:txFillClrLst/>
+    <dgm:txEffectClrLst/>
+  </dgm:styleLbl>
+  <dgm:styleLbl name="parChTrans1D1">
+    <dgm:fillClrLst meth="repeat">
+      <a:schemeClr val="accent1"/>
+    </dgm:fillClrLst>
+    <dgm:linClrLst meth="repeat">
+      <a:schemeClr val="accent1">
+        <a:shade val="60000"/>
+      </a:schemeClr>
+    </dgm:linClrLst>
+    <dgm:effectClrLst/>
+    <dgm:txLinClrLst/>
+    <dgm:txFillClrLst meth="repeat">
+      <a:schemeClr val="tx1"/>
+    </dgm:txFillClrLst>
+    <dgm:txEffectClrLst/>
+  </dgm:styleLbl>
+  <dgm:styleLbl name="parChTrans1D2">
+    <dgm:fillClrLst meth="repeat">
+      <a:schemeClr val="accent1"/>
+    </dgm:fillClrLst>
+    <dgm:linClrLst meth="repeat">
+      <a:schemeClr val="accent1">
+        <a:shade val="60000"/>
+      </a:schemeClr>
+    </dgm:linClrLst>
+    <dgm:effectClrLst/>
+    <dgm:txLinClrLst/>
+    <dgm:txFillClrLst meth="repeat">
+      <a:schemeClr val="tx1"/>
+    </dgm:txFillClrLst>
+    <dgm:txEffectClrLst/>
+  </dgm:styleLbl>
+  <dgm:styleLbl name="parChTrans1D3">
+    <dgm:fillClrLst meth="repeat">
+      <a:schemeClr val="accent1"/>
+    </dgm:fillClrLst>
+    <dgm:linClrLst meth="repeat">
+      <a:schemeClr val="accent1">
+        <a:shade val="80000"/>
+      </a:schemeClr>
+    </dgm:linClrLst>
+    <dgm:effectClrLst/>
+    <dgm:txLinClrLst/>
+    <dgm:txFillClrLst meth="repeat">
+      <a:schemeClr val="tx1"/>
+    </dgm:txFillClrLst>
+    <dgm:txEffectClrLst/>
+  </dgm:styleLbl>
+  <dgm:styleLbl name="parChTrans1D4">
+    <dgm:fillClrLst meth="repeat">
+      <a:schemeClr val="accent1"/>
+    </dgm:fillClrLst>
+    <dgm:linClrLst meth="repeat">
+      <a:schemeClr val="accent1">
+        <a:shade val="80000"/>
+      </a:schemeClr>
+    </dgm:linClrLst>
+    <dgm:effectClrLst/>
+    <dgm:txLinClrLst/>
+    <dgm:txFillClrLst meth="repeat">
+      <a:schemeClr val="tx1"/>
+    </dgm:txFillClrLst>
+    <dgm:txEffectClrLst/>
+  </dgm:styleLbl>
+  <dgm:styleLbl name="parChTrans2D1">
+    <dgm:fillClrLst meth="repeat">
+      <a:schemeClr val="accent1">
+        <a:tint val="60000"/>
+      </a:schemeClr>
+    </dgm:fillClrLst>
+    <dgm:linClrLst meth="repeat">
+      <a:schemeClr val="accent1">
+        <a:tint val="60000"/>
+      </a:schemeClr>
+    </dgm:linClrLst>
+    <dgm:effectClrLst/>
+    <dgm:txLinClrLst/>
+    <dgm:txFillClrLst meth="repeat">
+      <a:schemeClr val="lt1"/>
+    </dgm:txFillClrLst>
+    <dgm:txEffectClrLst/>
+  </dgm:styleLbl>
+  <dgm:styleLbl name="parChTrans2D2">
+    <dgm:fillClrLst meth="repeat">
+      <a:schemeClr val="accent1"/>
+    </dgm:fillClrLst>
+    <dgm:linClrLst meth="repeat">
+      <a:schemeClr val="accent1"/>
+    </dgm:linClrLst>
+    <dgm:effectClrLst/>
+    <dgm:txLinClrLst/>
+    <dgm:txFillClrLst meth="repeat">
+      <a:schemeClr val="lt1"/>
+    </dgm:txFillClrLst>
+    <dgm:txEffectClrLst/>
+  </dgm:styleLbl>
+  <dgm:styleLbl name="parChTrans2D3">
+    <dgm:fillClrLst meth="repeat">
+      <a:schemeClr val="accent1"/>
+    </dgm:fillClrLst>
+    <dgm:linClrLst meth="repeat">
+      <a:schemeClr val="accent1"/>
+    </dgm:linClrLst>
+    <dgm:effectClrLst/>
+    <dgm:txLinClrLst/>
+    <dgm:txFillClrLst meth="repeat">
+      <a:schemeClr val="lt1"/>
+    </dgm:txFillClrLst>
+    <dgm:txEffectClrLst/>
+  </dgm:styleLbl>
+  <dgm:styleLbl name="parChTrans2D4">
+    <dgm:fillClrLst meth="repeat">
+      <a:schemeClr val="accent1"/>
+    </dgm:fillClrLst>
+    <dgm:linClrLst meth="repeat">
+      <a:schemeClr val="accent1"/>
+    </dgm:linClrLst>
+    <dgm:effectClrLst/>
+    <dgm:txLinClrLst/>
+    <dgm:txFillClrLst meth="repeat">
+      <a:schemeClr val="lt1"/>
+    </dgm:txFillClrLst>
+    <dgm:txEffectClrLst/>
+  </dgm:styleLbl>
+  <dgm:styleLbl name="revTx">
+    <dgm:fillClrLst meth="repeat">
+      <a:schemeClr val="lt1">
+        <a:alpha val="0"/>
+      </a:schemeClr>
+    </dgm:fillClrLst>
+    <dgm:linClrLst meth="repeat">
+      <a:schemeClr val="dk1">
+        <a:alpha val="0"/>
+      </a:schemeClr>
+    </dgm:linClrLst>
+    <dgm:effectClrLst/>
+    <dgm:txLinClrLst/>
+    <dgm:txFillClrLst meth="repeat">
+      <a:schemeClr val="tx1"/>
+    </dgm:txFillClrLst>
+    <dgm:txEffectClrLst/>
+  </dgm:styleLbl>
+  <dgm:styleLbl name="sibTrans1D1">
+    <dgm:fillClrLst meth="repeat">
+      <a:schemeClr val="accent1"/>
+    </dgm:fillClrLst>
+    <dgm:linClrLst meth="repeat">
+      <a:schemeClr val="accent1"/>
+    </dgm:linClrLst>
+    <dgm:effectClrLst/>
+    <dgm:txLinClrLst/>
+    <dgm:txFillClrLst meth="repeat">
+      <a:schemeClr val="tx1"/>
+    </dgm:txFillClrLst>
+    <dgm:txEffectClrLst/>
+  </dgm:styleLbl>
+  <dgm:styleLbl name="sibTrans2D1">
+    <dgm:fillClrLst meth="repeat">
+      <a:schemeClr val="accent1">
+        <a:tint val="60000"/>
+      </a:schemeClr>
+    </dgm:fillClrLst>
+    <dgm:linClrLst meth="repeat">
+      <a:schemeClr val="accent1">
+        <a:tint val="60000"/>
+      </a:schemeClr>
+    </dgm:linClrLst>
+    <dgm:effectClrLst/>
+    <dgm:txLinClrLst/>
+    <dgm:txFillClrLst/>
+    <dgm:txEffectClrLst/>
+  </dgm:styleLbl>
+  <dgm:styleLbl name="solidAlignAcc1">
+    <dgm:fillClrLst meth="repeat">
+      <a:schemeClr val="lt1"/>
+    </dgm:fillClrLst>
+    <dgm:linClrLst meth="repeat">
+      <a:schemeClr val="accent1"/>
+    </dgm:linClrLst>
+    <dgm:effectClrLst/>
+    <dgm:txLinClrLst/>
+    <dgm:txFillClrLst meth="repeat">
+      <a:schemeClr val="dk1"/>
+    </dgm:txFillClrLst>
+    <dgm:txEffectClrLst/>
+  </dgm:styleLbl>
+  <dgm:styleLbl name="solidBgAcc1">
+    <dgm:fillClrLst meth="repeat">
+      <a:schemeClr val="lt1"/>
+    </dgm:fillClrLst>
+    <dgm:linClrLst meth="repeat">
+      <a:schemeClr val="accent1"/>
+    </dgm:linClrLst>
+    <dgm:effectClrLst/>
+    <dgm:txLinClrLst/>
+    <dgm:txFillClrLst meth="repeat">
+      <a:schemeClr val="dk1"/>
+    </dgm:txFillClrLst>
+    <dgm:txEffectClrLst/>
+  </dgm:styleLbl>
+  <dgm:styleLbl name="solidFgAcc1">
+    <dgm:fillClrLst meth="repeat">
+      <a:schemeClr val="lt1"/>
+    </dgm:fillClrLst>
+    <dgm:linClrLst meth="repeat">
+      <a:schemeClr val="accent1"/>
+    </dgm:linClrLst>
+    <dgm:effectClrLst/>
+    <dgm:txLinClrLst/>
+    <dgm:txFillClrLst meth="repeat">
+      <a:schemeClr val="dk1"/>
+    </dgm:txFillClrLst>
+    <dgm:txEffectClrLst/>
+  </dgm:styleLbl>
+  <dgm:styleLbl name="trAlignAcc1">
+    <dgm:fillClrLst meth="repeat">
+      <a:schemeClr val="lt1">
+        <a:alpha val="40000"/>
+      </a:schemeClr>
+    </dgm:fillClrLst>
+    <dgm:linClrLst meth="repeat">
+      <a:schemeClr val="accent1"/>
+    </dgm:linClrLst>
+    <dgm:effectClrLst/>
+    <dgm:txLinClrLst/>
+    <dgm:txFillClrLst meth="repeat">
+      <a:schemeClr val="dk1"/>
+    </dgm:txFillClrLst>
+    <dgm:txEffectClrLst/>
+  </dgm:styleLbl>
+  <dgm:styleLbl name="trBgShp">
+    <dgm:fillClrLst meth="repeat">
+      <a:schemeClr val="accent1">
+        <a:tint val="50000"/>
+        <a:alpha val="40000"/>
+      </a:schemeClr>
+    </dgm:fillClrLst>
+    <dgm:linClrLst meth="repeat">
+      <a:schemeClr val="accent1"/>
+    </dgm:linClrLst>
+    <dgm:effectClrLst/>
+    <dgm:txLinClrLst/>
+    <dgm:txFillClrLst meth="repeat">
+      <a:schemeClr val="lt1"/>
+    </dgm:txFillClrLst>
+    <dgm:txEffectClrLst/>
+  </dgm:styleLbl>
+  <dgm:styleLbl name="vennNode1">
+    <dgm:fillClrLst meth="repeat">
+      <a:schemeClr val="accent1">
+        <a:alpha val="50000"/>
+      </a:schemeClr>
+    </dgm:fillClrLst>
+    <dgm:linClrLst meth="repeat">
+      <a:schemeClr val="lt1"/>
+    </dgm:linClrLst>
+    <dgm:effectClrLst/>
+    <dgm:txLinClrLst/>
+    <dgm:txFillClrLst/>
+    <dgm:txEffectClrLst/>
+  </dgm:styleLbl>
+</dgm:colorsDef>
+</file>
+
+<file path=ppt/diagrams/data1.xml><?xml version="1.0" encoding="utf-8"?>
+<dgm:dataModel xmlns:dgm="http://schemas.openxmlformats.org/drawingml/2006/diagram" xmlns:a="http://schemas.openxmlformats.org/drawingml/2006/main">
+  <dgm:ptLst>
+    <dgm:pt modelId="{00F747F6-A844-4E8F-A0A0-423B86FE2B27}" type="doc">
+      <dgm:prSet loTypeId="urn:microsoft.com/office/officeart/2005/8/layout/cycle2" loCatId="cycle" qsTypeId="urn:microsoft.com/office/officeart/2005/8/quickstyle/simple1" qsCatId="simple" csTypeId="urn:microsoft.com/office/officeart/2005/8/colors/accent1_2" csCatId="accent1" phldr="false"/>
+      <dgm:spPr/>
+      <dgm:t>
+        <a:bodyPr/>
+        <a:p>
+          <a:endParaRPr lang="zh-CN" altLang="en-US"/>
+        </a:p>
+      </dgm:t>
+    </dgm:pt>
+    <dgm:pt modelId="{C850D67D-D455-40F2-BF40-958244ECBECF}">
+      <dgm:prSet phldrT="[文本]" phldr="false" custT="true"/>
+      <dgm:spPr/>
+      <dgm:t>
+        <a:bodyPr vert="horz" wrap="square"/>
+        <a:p>
+          <a:pPr>
+            <a:lnSpc>
+              <a:spcPct val="100000"/>
+            </a:lnSpc>
+            <a:spcBef>
+              <a:spcPct val="0"/>
+            </a:spcBef>
+            <a:spcAft>
+              <a:spcPct val="35000"/>
+            </a:spcAft>
+          </a:pPr>
+          <a:r>
+            <a:rPr lang="zh-CN" altLang="en-US" sz="1600">
+              <a:latin typeface="微软雅黑" panose="020B0503020204020204" charset="-122"/>
+              <a:ea typeface="微软雅黑" panose="020B0503020204020204" charset="-122"/>
+            </a:rPr>
+            <a:t>提高供给能力（商品丰富、价格优势、差异化服务）</a:t>
+          </a:r>
+          <a:endParaRPr lang="zh-CN" altLang="en-US" sz="1600">
+            <a:latin typeface="微软雅黑" panose="020B0503020204020204" charset="-122"/>
+            <a:ea typeface="微软雅黑" panose="020B0503020204020204" charset="-122"/>
+          </a:endParaRPr>
+        </a:p>
+      </dgm:t>
+    </dgm:pt>
+    <dgm:pt modelId="{815BEECE-237C-451B-AD1A-99AD91077DC5}" cxnId="{A1B75B3B-61BB-4219-A8C9-43FCE2C9B4E5}" type="parTrans">
+      <dgm:prSet/>
+      <dgm:spPr/>
+      <dgm:t>
+        <a:bodyPr/>
+        <a:p>
+          <a:endParaRPr lang="zh-CN" altLang="en-US"/>
+        </a:p>
+      </dgm:t>
+    </dgm:pt>
+    <dgm:pt modelId="{440047A4-99C5-4142-9A9A-791B1494D18D}" cxnId="{A1B75B3B-61BB-4219-A8C9-43FCE2C9B4E5}" type="sibTrans">
+      <dgm:prSet/>
+      <dgm:spPr/>
+      <dgm:t>
+        <a:bodyPr/>
+        <a:p>
+          <a:endParaRPr lang="zh-CN" altLang="en-US"/>
+        </a:p>
+      </dgm:t>
+    </dgm:pt>
+    <dgm:pt modelId="{B8C84936-1FF8-491C-957F-E93A0D56BE72}">
+      <dgm:prSet phldrT="[文本]" phldr="false" custT="false"/>
+      <dgm:spPr/>
+      <dgm:t>
+        <a:bodyPr vert="horz" wrap="square"/>
+        <a:p>
+          <a:pPr>
+            <a:lnSpc>
+              <a:spcPct val="100000"/>
+            </a:lnSpc>
+            <a:spcBef>
+              <a:spcPct val="0"/>
+            </a:spcBef>
+            <a:spcAft>
+              <a:spcPct val="35000"/>
+            </a:spcAft>
+          </a:pPr>
+          <a:r>
+            <a:rPr lang="zh-CN" altLang="en-US">
+              <a:latin typeface="微软雅黑" panose="020B0503020204020204" charset="-122"/>
+              <a:ea typeface="微软雅黑" panose="020B0503020204020204" charset="-122"/>
+            </a:rPr>
+            <a:t>提升消费端福利（长尾需求得到实现）</a:t>
+          </a:r>
+          <a:endParaRPr lang="zh-CN" altLang="en-US">
+            <a:latin typeface="微软雅黑" panose="020B0503020204020204" charset="-122"/>
+            <a:ea typeface="微软雅黑" panose="020B0503020204020204" charset="-122"/>
+          </a:endParaRPr>
+        </a:p>
+      </dgm:t>
+    </dgm:pt>
+    <dgm:pt modelId="{0A3DB1B2-EEAB-46E8-83B7-3C75439F76AD}" cxnId="{C623C09A-8FCF-4815-B8AC-E942C6E35A6C}" type="parTrans">
+      <dgm:prSet/>
+      <dgm:spPr/>
+      <dgm:t>
+        <a:bodyPr/>
+        <a:p>
+          <a:endParaRPr lang="zh-CN" altLang="en-US"/>
+        </a:p>
+      </dgm:t>
+    </dgm:pt>
+    <dgm:pt modelId="{1D27C24F-A927-4600-8878-8630ECEBD341}" cxnId="{C623C09A-8FCF-4815-B8AC-E942C6E35A6C}" type="sibTrans">
+      <dgm:prSet/>
+      <dgm:spPr/>
+      <dgm:t>
+        <a:bodyPr/>
+        <a:p>
+          <a:endParaRPr lang="zh-CN" altLang="en-US"/>
+        </a:p>
+      </dgm:t>
+    </dgm:pt>
+    <dgm:pt modelId="{BDF19F98-1BB6-4691-BA39-AC544680C920}">
+      <dgm:prSet phldrT="[文本]" phldr="false" custT="false"/>
+      <dgm:spPr/>
+      <dgm:t>
+        <a:bodyPr vert="horz" wrap="square"/>
+        <a:p>
+          <a:pPr>
+            <a:lnSpc>
+              <a:spcPct val="100000"/>
+            </a:lnSpc>
+            <a:spcBef>
+              <a:spcPct val="0"/>
+            </a:spcBef>
+            <a:spcAft>
+              <a:spcPct val="35000"/>
+            </a:spcAft>
+          </a:pPr>
+          <a:r>
+            <a:rPr lang="zh-CN" altLang="en-US">
+              <a:latin typeface="微软雅黑" panose="020B0503020204020204" charset="-122"/>
+              <a:ea typeface="微软雅黑" panose="020B0503020204020204" charset="-122"/>
+            </a:rPr>
+            <a:t>网购消费者激增</a:t>
+          </a:r>
+          <a:endParaRPr lang="zh-CN" altLang="en-US">
+            <a:latin typeface="微软雅黑" panose="020B0503020204020204" charset="-122"/>
+            <a:ea typeface="微软雅黑" panose="020B0503020204020204" charset="-122"/>
+          </a:endParaRPr>
+        </a:p>
+      </dgm:t>
+    </dgm:pt>
+    <dgm:pt modelId="{0E0CE0D5-07C4-4901-B365-8211F8750388}" cxnId="{73E241C0-2A29-4CEC-8AB0-B2D8EC87D46C}" type="parTrans">
+      <dgm:prSet/>
+      <dgm:spPr/>
+      <dgm:t>
+        <a:bodyPr/>
+        <a:p>
+          <a:endParaRPr lang="zh-CN" altLang="en-US"/>
+        </a:p>
+      </dgm:t>
+    </dgm:pt>
+    <dgm:pt modelId="{ABEF5CDB-B202-47B1-8976-6563592DD193}" cxnId="{73E241C0-2A29-4CEC-8AB0-B2D8EC87D46C}" type="sibTrans">
+      <dgm:prSet/>
+      <dgm:spPr/>
+      <dgm:t>
+        <a:bodyPr/>
+        <a:p>
+          <a:endParaRPr lang="zh-CN" altLang="en-US"/>
+        </a:p>
+      </dgm:t>
+    </dgm:pt>
+    <dgm:pt modelId="{A76F7821-8389-4FF6-81DA-C4B97FDCE57C}">
+      <dgm:prSet phldrT="[文本]" phldr="false" custT="false"/>
+      <dgm:spPr/>
+      <dgm:t>
+        <a:bodyPr vert="horz" wrap="square"/>
+        <a:p>
+          <a:pPr>
+            <a:lnSpc>
+              <a:spcPct val="100000"/>
+            </a:lnSpc>
+            <a:spcBef>
+              <a:spcPct val="0"/>
+            </a:spcBef>
+            <a:spcAft>
+              <a:spcPct val="35000"/>
+            </a:spcAft>
+          </a:pPr>
+          <a:r>
+            <a:rPr lang="zh-CN" altLang="en-US">
+              <a:latin typeface="微软雅黑" panose="020B0503020204020204" charset="-122"/>
+              <a:ea typeface="微软雅黑" panose="020B0503020204020204" charset="-122"/>
+            </a:rPr>
+            <a:t>刺激供应端几何级数扩张</a:t>
+          </a:r>
+          <a:endParaRPr lang="zh-CN" altLang="en-US">
+            <a:latin typeface="微软雅黑" panose="020B0503020204020204" charset="-122"/>
+            <a:ea typeface="微软雅黑" panose="020B0503020204020204" charset="-122"/>
+          </a:endParaRPr>
+        </a:p>
+      </dgm:t>
+    </dgm:pt>
+    <dgm:pt modelId="{D69A4B64-ECF7-44B7-B11F-30D5FBCABAD0}" cxnId="{9404D05E-0379-4128-9D17-D7BF2A05C184}" type="parTrans">
+      <dgm:prSet/>
+      <dgm:spPr/>
+      <dgm:t>
+        <a:bodyPr/>
+        <a:p>
+          <a:endParaRPr lang="zh-CN" altLang="en-US"/>
+        </a:p>
+      </dgm:t>
+    </dgm:pt>
+    <dgm:pt modelId="{C62D58A2-E7B0-4326-BAF0-CD60EBC9C61D}" cxnId="{9404D05E-0379-4128-9D17-D7BF2A05C184}" type="sibTrans">
+      <dgm:prSet/>
+      <dgm:spPr/>
+      <dgm:t>
+        <a:bodyPr/>
+        <a:p>
+          <a:endParaRPr lang="zh-CN" altLang="en-US"/>
+        </a:p>
+      </dgm:t>
+    </dgm:pt>
+    <dgm:pt modelId="{A15C1A26-8DF5-40E1-BCEB-A9F490C30D57}" type="pres">
+      <dgm:prSet presAssocID="{00F747F6-A844-4E8F-A0A0-423B86FE2B27}" presName="cycle" presStyleCnt="0">
+        <dgm:presLayoutVars>
+          <dgm:dir/>
+          <dgm:resizeHandles val="exact"/>
+        </dgm:presLayoutVars>
+      </dgm:prSet>
+      <dgm:spPr/>
+    </dgm:pt>
+    <dgm:pt modelId="{ADA7BD43-8261-45C1-B84A-0D52FA1E4AE7}" type="pres">
+      <dgm:prSet presAssocID="{C850D67D-D455-40F2-BF40-958244ECBECF}" presName="node" presStyleLbl="node1" presStyleIdx="0" presStyleCnt="4">
+        <dgm:presLayoutVars>
+          <dgm:bulletEnabled val="true"/>
+        </dgm:presLayoutVars>
+      </dgm:prSet>
+      <dgm:spPr/>
+    </dgm:pt>
+    <dgm:pt modelId="{56F040CF-6F47-4847-8647-F5FDBC9F146A}" type="pres">
+      <dgm:prSet presAssocID="{440047A4-99C5-4142-9A9A-791B1494D18D}" presName="sibTrans" presStyleLbl="sibTrans2D1" presStyleIdx="0" presStyleCnt="4"/>
+      <dgm:spPr/>
+    </dgm:pt>
+    <dgm:pt modelId="{625DDE57-EEE3-4179-988C-D68B639218F6}" type="pres">
+      <dgm:prSet presAssocID="{440047A4-99C5-4142-9A9A-791B1494D18D}" presName="connectorText" presStyleCnt="0"/>
+      <dgm:spPr/>
+    </dgm:pt>
+    <dgm:pt modelId="{4DEB6BE5-009F-44B4-83FA-1FE41DB12AD9}" type="pres">
+      <dgm:prSet presAssocID="{B8C84936-1FF8-491C-957F-E93A0D56BE72}" presName="node" presStyleLbl="node1" presStyleIdx="1" presStyleCnt="4">
+        <dgm:presLayoutVars>
+          <dgm:bulletEnabled val="true"/>
+        </dgm:presLayoutVars>
+      </dgm:prSet>
+      <dgm:spPr/>
+    </dgm:pt>
+    <dgm:pt modelId="{212C6A32-E039-4B6C-B264-DA671275507E}" type="pres">
+      <dgm:prSet presAssocID="{1D27C24F-A927-4600-8878-8630ECEBD341}" presName="sibTrans" presStyleLbl="sibTrans2D1" presStyleIdx="1" presStyleCnt="4"/>
+      <dgm:spPr/>
+    </dgm:pt>
+    <dgm:pt modelId="{B2DF63D3-0027-42D6-BEB7-43AD254113F1}" type="pres">
+      <dgm:prSet presAssocID="{1D27C24F-A927-4600-8878-8630ECEBD341}" presName="connectorText" presStyleCnt="0"/>
+      <dgm:spPr/>
+    </dgm:pt>
+    <dgm:pt modelId="{16EAD731-A57C-4041-B559-7EC79077EC53}" type="pres">
+      <dgm:prSet presAssocID="{BDF19F98-1BB6-4691-BA39-AC544680C920}" presName="node" presStyleLbl="node1" presStyleIdx="2" presStyleCnt="4">
+        <dgm:presLayoutVars>
+          <dgm:bulletEnabled val="true"/>
+        </dgm:presLayoutVars>
+      </dgm:prSet>
+      <dgm:spPr/>
+    </dgm:pt>
+    <dgm:pt modelId="{2E34DF9E-868B-4A46-AA78-8199053E3B5A}" type="pres">
+      <dgm:prSet presAssocID="{ABEF5CDB-B202-47B1-8976-6563592DD193}" presName="sibTrans" presStyleLbl="sibTrans2D1" presStyleIdx="2" presStyleCnt="4"/>
+      <dgm:spPr/>
+    </dgm:pt>
+    <dgm:pt modelId="{3A69013B-636D-412C-A409-F6D854B1E8CF}" type="pres">
+      <dgm:prSet presAssocID="{ABEF5CDB-B202-47B1-8976-6563592DD193}" presName="connectorText" presStyleCnt="0"/>
+      <dgm:spPr/>
+    </dgm:pt>
+    <dgm:pt modelId="{12FF041E-83E1-47C9-B066-87396D274A0D}" type="pres">
+      <dgm:prSet presAssocID="{A76F7821-8389-4FF6-81DA-C4B97FDCE57C}" presName="node" presStyleLbl="node1" presStyleIdx="3" presStyleCnt="4">
+        <dgm:presLayoutVars>
+          <dgm:bulletEnabled val="true"/>
+        </dgm:presLayoutVars>
+      </dgm:prSet>
+      <dgm:spPr/>
+    </dgm:pt>
+    <dgm:pt modelId="{AAFAAFBE-67D6-4C79-BA3C-CA0235E4A8BE}" type="pres">
+      <dgm:prSet presAssocID="{C62D58A2-E7B0-4326-BAF0-CD60EBC9C61D}" presName="sibTrans" presStyleLbl="sibTrans2D1" presStyleIdx="3" presStyleCnt="4"/>
+      <dgm:spPr/>
+    </dgm:pt>
+    <dgm:pt modelId="{31E987A1-818B-493F-AA47-EA8FC0CAD285}" type="pres">
+      <dgm:prSet presAssocID="{C62D58A2-E7B0-4326-BAF0-CD60EBC9C61D}" presName="connectorText" presStyleCnt="0"/>
+      <dgm:spPr/>
+    </dgm:pt>
+  </dgm:ptLst>
+  <dgm:cxnLst>
+    <dgm:cxn modelId="{A1B75B3B-61BB-4219-A8C9-43FCE2C9B4E5}" srcId="{00F747F6-A844-4E8F-A0A0-423B86FE2B27}" destId="{C850D67D-D455-40F2-BF40-958244ECBECF}" srcOrd="0" destOrd="0" parTransId="{815BEECE-237C-451B-AD1A-99AD91077DC5}" sibTransId="{440047A4-99C5-4142-9A9A-791B1494D18D}"/>
+    <dgm:cxn modelId="{C623C09A-8FCF-4815-B8AC-E942C6E35A6C}" srcId="{00F747F6-A844-4E8F-A0A0-423B86FE2B27}" destId="{B8C84936-1FF8-491C-957F-E93A0D56BE72}" srcOrd="1" destOrd="0" parTransId="{0A3DB1B2-EEAB-46E8-83B7-3C75439F76AD}" sibTransId="{1D27C24F-A927-4600-8878-8630ECEBD341}"/>
+    <dgm:cxn modelId="{73E241C0-2A29-4CEC-8AB0-B2D8EC87D46C}" srcId="{00F747F6-A844-4E8F-A0A0-423B86FE2B27}" destId="{BDF19F98-1BB6-4691-BA39-AC544680C920}" srcOrd="2" destOrd="0" parTransId="{0E0CE0D5-07C4-4901-B365-8211F8750388}" sibTransId="{ABEF5CDB-B202-47B1-8976-6563592DD193}"/>
+    <dgm:cxn modelId="{9404D05E-0379-4128-9D17-D7BF2A05C184}" srcId="{00F747F6-A844-4E8F-A0A0-423B86FE2B27}" destId="{A76F7821-8389-4FF6-81DA-C4B97FDCE57C}" srcOrd="3" destOrd="0" parTransId="{D69A4B64-ECF7-44B7-B11F-30D5FBCABAD0}" sibTransId="{C62D58A2-E7B0-4326-BAF0-CD60EBC9C61D}"/>
+    <dgm:cxn modelId="{382021DF-AFEE-43A8-B7D6-F71E32C6162B}" type="presOf" srcId="{00F747F6-A844-4E8F-A0A0-423B86FE2B27}" destId="{A15C1A26-8DF5-40E1-BCEB-A9F490C30D57}" srcOrd="0" destOrd="0" presId="urn:microsoft.com/office/officeart/2005/8/layout/cycle2"/>
+    <dgm:cxn modelId="{0A1760BB-BC1D-4A88-A31B-0CAB08BF7C5D}" type="presParOf" srcId="{A15C1A26-8DF5-40E1-BCEB-A9F490C30D57}" destId="{ADA7BD43-8261-45C1-B84A-0D52FA1E4AE7}" srcOrd="0" destOrd="0" presId="urn:microsoft.com/office/officeart/2005/8/layout/cycle2"/>
+    <dgm:cxn modelId="{847E0656-F630-495A-A862-C11DD5A968F2}" type="presOf" srcId="{C850D67D-D455-40F2-BF40-958244ECBECF}" destId="{ADA7BD43-8261-45C1-B84A-0D52FA1E4AE7}" srcOrd="0" destOrd="0" presId="urn:microsoft.com/office/officeart/2005/8/layout/cycle2"/>
+    <dgm:cxn modelId="{CB479320-E02C-4AF5-8B75-CDADEB674FC7}" type="presParOf" srcId="{A15C1A26-8DF5-40E1-BCEB-A9F490C30D57}" destId="{56F040CF-6F47-4847-8647-F5FDBC9F146A}" srcOrd="1" destOrd="0" presId="urn:microsoft.com/office/officeart/2005/8/layout/cycle2"/>
+    <dgm:cxn modelId="{7C09472D-DF3A-4D54-8C84-40C96B268BFB}" type="presOf" srcId="{440047A4-99C5-4142-9A9A-791B1494D18D}" destId="{56F040CF-6F47-4847-8647-F5FDBC9F146A}" srcOrd="0" destOrd="0" presId="urn:microsoft.com/office/officeart/2005/8/layout/cycle2"/>
+    <dgm:cxn modelId="{A5CE13EA-6F9F-4308-AFB0-D1DAEC61F660}" type="presParOf" srcId="{56F040CF-6F47-4847-8647-F5FDBC9F146A}" destId="{625DDE57-EEE3-4179-988C-D68B639218F6}" srcOrd="0" destOrd="1" presId="urn:microsoft.com/office/officeart/2005/8/layout/cycle2"/>
+    <dgm:cxn modelId="{B69CAD87-B07F-4234-961A-52BE79648BCC}" type="presOf" srcId="{440047A4-99C5-4142-9A9A-791B1494D18D}" destId="{625DDE57-EEE3-4179-988C-D68B639218F6}" srcOrd="1" destOrd="0" presId="urn:microsoft.com/office/officeart/2005/8/layout/cycle2"/>
+    <dgm:cxn modelId="{3A93D848-6CB5-4FAA-B0DC-3E10E2FD20D7}" type="presParOf" srcId="{A15C1A26-8DF5-40E1-BCEB-A9F490C30D57}" destId="{4DEB6BE5-009F-44B4-83FA-1FE41DB12AD9}" srcOrd="2" destOrd="0" presId="urn:microsoft.com/office/officeart/2005/8/layout/cycle2"/>
+    <dgm:cxn modelId="{42EC8CAE-1497-47E7-9A18-1B5262D697A4}" type="presOf" srcId="{B8C84936-1FF8-491C-957F-E93A0D56BE72}" destId="{4DEB6BE5-009F-44B4-83FA-1FE41DB12AD9}" srcOrd="0" destOrd="0" presId="urn:microsoft.com/office/officeart/2005/8/layout/cycle2"/>
+    <dgm:cxn modelId="{72A22272-8273-424C-9F40-D9F0C5768218}" type="presParOf" srcId="{A15C1A26-8DF5-40E1-BCEB-A9F490C30D57}" destId="{212C6A32-E039-4B6C-B264-DA671275507E}" srcOrd="3" destOrd="0" presId="urn:microsoft.com/office/officeart/2005/8/layout/cycle2"/>
+    <dgm:cxn modelId="{DE0E077C-8941-476B-BF31-1C8C842DA430}" type="presOf" srcId="{1D27C24F-A927-4600-8878-8630ECEBD341}" destId="{212C6A32-E039-4B6C-B264-DA671275507E}" srcOrd="0" destOrd="0" presId="urn:microsoft.com/office/officeart/2005/8/layout/cycle2"/>
+    <dgm:cxn modelId="{942C17F1-26FD-45A2-9EA3-5786198E86D8}" type="presParOf" srcId="{212C6A32-E039-4B6C-B264-DA671275507E}" destId="{B2DF63D3-0027-42D6-BEB7-43AD254113F1}" srcOrd="0" destOrd="3" presId="urn:microsoft.com/office/officeart/2005/8/layout/cycle2"/>
+    <dgm:cxn modelId="{17AE99D3-3A13-44FE-8F3F-0F16BDFED212}" type="presOf" srcId="{1D27C24F-A927-4600-8878-8630ECEBD341}" destId="{B2DF63D3-0027-42D6-BEB7-43AD254113F1}" srcOrd="1" destOrd="0" presId="urn:microsoft.com/office/officeart/2005/8/layout/cycle2"/>
+    <dgm:cxn modelId="{18F67804-5FAA-4221-A27F-3F7BB0752BDE}" type="presParOf" srcId="{A15C1A26-8DF5-40E1-BCEB-A9F490C30D57}" destId="{16EAD731-A57C-4041-B559-7EC79077EC53}" srcOrd="4" destOrd="0" presId="urn:microsoft.com/office/officeart/2005/8/layout/cycle2"/>
+    <dgm:cxn modelId="{FFDF3BA9-00F3-4BAC-8B7A-6F2AD0965999}" type="presOf" srcId="{BDF19F98-1BB6-4691-BA39-AC544680C920}" destId="{16EAD731-A57C-4041-B559-7EC79077EC53}" srcOrd="0" destOrd="0" presId="urn:microsoft.com/office/officeart/2005/8/layout/cycle2"/>
+    <dgm:cxn modelId="{F3BBCFD2-1B5B-493A-AF5E-A2357ACE3B3D}" type="presParOf" srcId="{A15C1A26-8DF5-40E1-BCEB-A9F490C30D57}" destId="{2E34DF9E-868B-4A46-AA78-8199053E3B5A}" srcOrd="5" destOrd="0" presId="urn:microsoft.com/office/officeart/2005/8/layout/cycle2"/>
+    <dgm:cxn modelId="{861823A0-E84D-45D8-9AD2-FB73C82A341B}" type="presOf" srcId="{ABEF5CDB-B202-47B1-8976-6563592DD193}" destId="{2E34DF9E-868B-4A46-AA78-8199053E3B5A}" srcOrd="0" destOrd="0" presId="urn:microsoft.com/office/officeart/2005/8/layout/cycle2"/>
+    <dgm:cxn modelId="{817FF111-2059-45FF-BB75-3B5EEAB52303}" type="presParOf" srcId="{2E34DF9E-868B-4A46-AA78-8199053E3B5A}" destId="{3A69013B-636D-412C-A409-F6D854B1E8CF}" srcOrd="0" destOrd="5" presId="urn:microsoft.com/office/officeart/2005/8/layout/cycle2"/>
+    <dgm:cxn modelId="{7CD13316-C889-4F92-B887-25323A798463}" type="presOf" srcId="{ABEF5CDB-B202-47B1-8976-6563592DD193}" destId="{3A69013B-636D-412C-A409-F6D854B1E8CF}" srcOrd="1" destOrd="0" presId="urn:microsoft.com/office/officeart/2005/8/layout/cycle2"/>
+    <dgm:cxn modelId="{BBB13C83-2BC5-419B-919F-0D2B1AFC4F67}" type="presParOf" srcId="{A15C1A26-8DF5-40E1-BCEB-A9F490C30D57}" destId="{12FF041E-83E1-47C9-B066-87396D274A0D}" srcOrd="6" destOrd="0" presId="urn:microsoft.com/office/officeart/2005/8/layout/cycle2"/>
+    <dgm:cxn modelId="{58ACC188-111F-443E-ABE5-B0BE4B58ACF7}" type="presOf" srcId="{A76F7821-8389-4FF6-81DA-C4B97FDCE57C}" destId="{12FF041E-83E1-47C9-B066-87396D274A0D}" srcOrd="0" destOrd="0" presId="urn:microsoft.com/office/officeart/2005/8/layout/cycle2"/>
+    <dgm:cxn modelId="{870A32B8-1150-4CB1-8FE2-CDF901DE3BD3}" type="presParOf" srcId="{A15C1A26-8DF5-40E1-BCEB-A9F490C30D57}" destId="{AAFAAFBE-67D6-4C79-BA3C-CA0235E4A8BE}" srcOrd="7" destOrd="0" presId="urn:microsoft.com/office/officeart/2005/8/layout/cycle2"/>
+    <dgm:cxn modelId="{7CCE41A4-254D-4048-8AB6-04E78CAA55EE}" type="presOf" srcId="{C62D58A2-E7B0-4326-BAF0-CD60EBC9C61D}" destId="{AAFAAFBE-67D6-4C79-BA3C-CA0235E4A8BE}" srcOrd="0" destOrd="0" presId="urn:microsoft.com/office/officeart/2005/8/layout/cycle2"/>
+    <dgm:cxn modelId="{48AF6A16-39B3-4837-94B2-C4373AF0F129}" type="presParOf" srcId="{AAFAAFBE-67D6-4C79-BA3C-CA0235E4A8BE}" destId="{31E987A1-818B-493F-AA47-EA8FC0CAD285}" srcOrd="0" destOrd="7" presId="urn:microsoft.com/office/officeart/2005/8/layout/cycle2"/>
+    <dgm:cxn modelId="{9148FA3F-5187-49A2-8ED8-267AE41E1330}" type="presOf" srcId="{C62D58A2-E7B0-4326-BAF0-CD60EBC9C61D}" destId="{31E987A1-818B-493F-AA47-EA8FC0CAD285}" srcOrd="1" destOrd="0" presId="urn:microsoft.com/office/officeart/2005/8/layout/cycle2"/>
+  </dgm:cxnLst>
+  <dgm:bg/>
+  <dgm:whole/>
+  <dgm:extLst>
+    <a:ext uri="http://schemas.microsoft.com/office/drawing/2008/diagram">
+      <dsp:dataModelExt xmlns:dsp="http://schemas.microsoft.com/office/drawing/2008/diagram" relId="rId8" minVer="http://schemas.openxmlformats.org/drawingml/2006/diagram"/>
+    </a:ext>
+  </dgm:extLst>
+</dgm:dataModel>
+</file>
+
+<file path=ppt/diagrams/drawing1.xml><?xml version="1.0" encoding="utf-8"?>
+<dsp:drawing xmlns:dgm="http://schemas.openxmlformats.org/drawingml/2006/diagram" xmlns:dsp="http://schemas.microsoft.com/office/drawing/2008/diagram" xmlns:a="http://schemas.openxmlformats.org/drawingml/2006/main" xmlns:r="http://schemas.openxmlformats.org/officeDocument/2006/relationships">
+  <dsp:spTree>
+    <dsp:nvGrpSpPr>
+      <dsp:cNvPr id="2" name="组合 1"/>
+      <dsp:cNvGrpSpPr/>
+    </dsp:nvGrpSpPr>
+    <dsp:grpSpPr>
+      <a:xfrm>
+        <a:off x="0" y="0"/>
+        <a:ext cx="8128000" cy="5418455"/>
+        <a:chOff x="0" y="0"/>
+        <a:chExt cx="8128000" cy="5418455"/>
+      </a:xfrm>
+    </dsp:grpSpPr>
+    <dsp:sp modelId="{ADA7BD43-8261-45C1-B84A-0D52FA1E4AE7}">
+      <dsp:nvSpPr>
+        <dsp:cNvPr id="5" name="椭圆 4"/>
+        <dsp:cNvSpPr/>
+      </dsp:nvSpPr>
+      <dsp:spPr bwMode="white">
+        <a:xfrm>
+          <a:off x="3196025" y="0"/>
+          <a:ext cx="1735950" cy="1735950"/>
+        </a:xfrm>
+        <a:prstGeom prst="ellipse">
+          <a:avLst/>
+        </a:prstGeom>
+      </dsp:spPr>
+      <dsp:style>
+        <a:lnRef idx="2">
+          <a:schemeClr val="lt1"/>
+        </a:lnRef>
+        <a:fillRef idx="1">
+          <a:schemeClr val="accent1"/>
+        </a:fillRef>
+        <a:effectRef idx="0">
+          <a:scrgbClr r="0" g="0" b="0"/>
+        </a:effectRef>
+        <a:fontRef idx="minor">
+          <a:schemeClr val="lt1"/>
+        </a:fontRef>
+      </dsp:style>
+      <dsp:txBody>
+        <a:bodyPr vert="horz" wrap="square" lIns="20320" tIns="20320" rIns="20320" bIns="20320" anchor="ctr"/>
+        <a:lstStyle>
+          <a:lvl1pPr algn="ctr">
+            <a:defRPr sz="1800"/>
+          </a:lvl1pPr>
+          <a:lvl2pPr marL="114300" indent="-114300" algn="ctr">
+            <a:defRPr sz="1400"/>
+          </a:lvl2pPr>
+          <a:lvl3pPr marL="228600" indent="-114300" algn="ctr">
+            <a:defRPr sz="1400"/>
+          </a:lvl3pPr>
+          <a:lvl4pPr marL="342900" indent="-114300" algn="ctr">
+            <a:defRPr sz="1400"/>
+          </a:lvl4pPr>
+          <a:lvl5pPr marL="457200" indent="-114300" algn="ctr">
+            <a:defRPr sz="1400"/>
+          </a:lvl5pPr>
+          <a:lvl6pPr marL="571500" indent="-114300" algn="ctr">
+            <a:defRPr sz="1400"/>
+          </a:lvl6pPr>
+          <a:lvl7pPr marL="685800" indent="-114300" algn="ctr">
+            <a:defRPr sz="1400"/>
+          </a:lvl7pPr>
+          <a:lvl8pPr marL="800100" indent="-114300" algn="ctr">
+            <a:defRPr sz="1400"/>
+          </a:lvl8pPr>
+          <a:lvl9pPr marL="914400" indent="-114300" algn="ctr">
+            <a:defRPr sz="1400"/>
+          </a:lvl9pPr>
+        </a:lstStyle>
+        <a:p>
+          <a:pPr lvl="0">
+            <a:lnSpc>
+              <a:spcPct val="100000"/>
+            </a:lnSpc>
+            <a:spcBef>
+              <a:spcPct val="0"/>
+            </a:spcBef>
+            <a:spcAft>
+              <a:spcPct val="35000"/>
+            </a:spcAft>
+          </a:pPr>
+          <a:r>
+            <a:rPr lang="zh-CN" altLang="en-US" sz="1600">
+              <a:latin typeface="微软雅黑" panose="020B0503020204020204" charset="-122"/>
+              <a:ea typeface="微软雅黑" panose="020B0503020204020204" charset="-122"/>
+            </a:rPr>
+            <a:t>提高供给能力（商品丰富、价格优势、差异化服务）</a:t>
+          </a:r>
+          <a:endParaRPr lang="zh-CN" altLang="en-US" sz="1600">
+            <a:latin typeface="微软雅黑" panose="020B0503020204020204" charset="-122"/>
+            <a:ea typeface="微软雅黑" panose="020B0503020204020204" charset="-122"/>
+          </a:endParaRPr>
+        </a:p>
+      </dsp:txBody>
+      <dsp:txXfrm>
+        <a:off x="3196025" y="0"/>
+        <a:ext cx="1735950" cy="1735950"/>
+      </dsp:txXfrm>
+    </dsp:sp>
+    <dsp:sp modelId="{56F040CF-6F47-4847-8647-F5FDBC9F146A}">
+      <dsp:nvSpPr>
+        <dsp:cNvPr id="6" name="右箭头 5"/>
+        <dsp:cNvSpPr/>
+      </dsp:nvSpPr>
+      <dsp:spPr bwMode="white">
+        <a:xfrm rot="2699999">
+          <a:off x="4754613" y="1495660"/>
+          <a:ext cx="460027" cy="585883"/>
+        </a:xfrm>
+        <a:prstGeom prst="rightArrow">
+          <a:avLst>
+            <a:gd name="adj1" fmla="val 60000"/>
+            <a:gd name="adj2" fmla="val 50000"/>
+          </a:avLst>
+        </a:prstGeom>
+      </dsp:spPr>
+      <dsp:style>
+        <a:lnRef idx="0">
+          <a:schemeClr val="accent1">
+            <a:tint val="60000"/>
+          </a:schemeClr>
+        </a:lnRef>
+        <a:fillRef idx="1">
+          <a:schemeClr val="accent1">
+            <a:tint val="60000"/>
+          </a:schemeClr>
+        </a:fillRef>
+        <a:effectRef idx="0">
+          <a:scrgbClr r="0" g="0" b="0"/>
+        </a:effectRef>
+        <a:fontRef idx="minor">
+          <a:schemeClr val="lt1"/>
+        </a:fontRef>
+      </dsp:style>
+      <dsp:txBody>
+        <a:bodyPr lIns="0" tIns="0" rIns="0" bIns="0" anchor="ctr"/>
+        <a:lstStyle>
+          <a:lvl1pPr algn="ctr">
+            <a:defRPr sz="5500"/>
+          </a:lvl1pPr>
+          <a:lvl2pPr marL="285750" indent="-285750" algn="ctr">
+            <a:defRPr sz="4200"/>
+          </a:lvl2pPr>
+          <a:lvl3pPr marL="571500" indent="-285750" algn="ctr">
+            <a:defRPr sz="4200"/>
+          </a:lvl3pPr>
+          <a:lvl4pPr marL="857250" indent="-285750" algn="ctr">
+            <a:defRPr sz="4200"/>
+          </a:lvl4pPr>
+          <a:lvl5pPr marL="1143000" indent="-285750" algn="ctr">
+            <a:defRPr sz="4200"/>
+          </a:lvl5pPr>
+          <a:lvl6pPr marL="1428750" indent="-285750" algn="ctr">
+            <a:defRPr sz="4200"/>
+          </a:lvl6pPr>
+          <a:lvl7pPr marL="1714500" indent="-285750" algn="ctr">
+            <a:defRPr sz="4200"/>
+          </a:lvl7pPr>
+          <a:lvl8pPr marL="2000250" indent="-285750" algn="ctr">
+            <a:defRPr sz="4200"/>
+          </a:lvl8pPr>
+          <a:lvl9pPr marL="2286000" indent="-285750" algn="ctr">
+            <a:defRPr sz="4200"/>
+          </a:lvl9pPr>
+        </a:lstStyle>
+        <a:p>
+          <a:pPr lvl="0">
+            <a:lnSpc>
+              <a:spcPct val="100000"/>
+            </a:lnSpc>
+            <a:spcBef>
+              <a:spcPct val="0"/>
+            </a:spcBef>
+            <a:spcAft>
+              <a:spcPct val="35000"/>
+            </a:spcAft>
+          </a:pPr>
+          <a:endParaRPr lang="zh-CN" altLang="en-US"/>
+        </a:p>
+      </dsp:txBody>
+      <dsp:txXfrm rot="2699999">
+        <a:off x="4754613" y="1495660"/>
+        <a:ext cx="460027" cy="585883"/>
+      </dsp:txXfrm>
+    </dsp:sp>
+    <dsp:sp modelId="{4DEB6BE5-009F-44B4-83FA-1FE41DB12AD9}">
+      <dsp:nvSpPr>
+        <dsp:cNvPr id="7" name="椭圆 6"/>
+        <dsp:cNvSpPr/>
+      </dsp:nvSpPr>
+      <dsp:spPr bwMode="white">
+        <a:xfrm>
+          <a:off x="5037278" y="1841253"/>
+          <a:ext cx="1735950" cy="1735950"/>
+        </a:xfrm>
+        <a:prstGeom prst="ellipse">
+          <a:avLst/>
+        </a:prstGeom>
+      </dsp:spPr>
+      <dsp:style>
+        <a:lnRef idx="2">
+          <a:schemeClr val="lt1"/>
+        </a:lnRef>
+        <a:fillRef idx="1">
+          <a:schemeClr val="accent1"/>
+        </a:fillRef>
+        <a:effectRef idx="0">
+          <a:scrgbClr r="0" g="0" b="0"/>
+        </a:effectRef>
+        <a:fontRef idx="minor">
+          <a:schemeClr val="lt1"/>
+        </a:fontRef>
+      </dsp:style>
+      <dsp:txBody>
+        <a:bodyPr vert="horz" wrap="square" lIns="22860" tIns="22860" rIns="22860" bIns="22860" anchor="ctr"/>
+        <a:lstStyle>
+          <a:lvl1pPr algn="ctr">
+            <a:defRPr sz="1800"/>
+          </a:lvl1pPr>
+          <a:lvl2pPr marL="114300" indent="-114300" algn="ctr">
+            <a:defRPr sz="1400"/>
+          </a:lvl2pPr>
+          <a:lvl3pPr marL="228600" indent="-114300" algn="ctr">
+            <a:defRPr sz="1400"/>
+          </a:lvl3pPr>
+          <a:lvl4pPr marL="342900" indent="-114300" algn="ctr">
+            <a:defRPr sz="1400"/>
+          </a:lvl4pPr>
+          <a:lvl5pPr marL="457200" indent="-114300" algn="ctr">
+            <a:defRPr sz="1400"/>
+          </a:lvl5pPr>
+          <a:lvl6pPr marL="571500" indent="-114300" algn="ctr">
+            <a:defRPr sz="1400"/>
+          </a:lvl6pPr>
+          <a:lvl7pPr marL="685800" indent="-114300" algn="ctr">
+            <a:defRPr sz="1400"/>
+          </a:lvl7pPr>
+          <a:lvl8pPr marL="800100" indent="-114300" algn="ctr">
+            <a:defRPr sz="1400"/>
+          </a:lvl8pPr>
+          <a:lvl9pPr marL="914400" indent="-114300" algn="ctr">
+            <a:defRPr sz="1400"/>
+          </a:lvl9pPr>
+        </a:lstStyle>
+        <a:p>
+          <a:pPr lvl="0">
+            <a:lnSpc>
+              <a:spcPct val="100000"/>
+            </a:lnSpc>
+            <a:spcBef>
+              <a:spcPct val="0"/>
+            </a:spcBef>
+            <a:spcAft>
+              <a:spcPct val="35000"/>
+            </a:spcAft>
+          </a:pPr>
+          <a:r>
+            <a:rPr lang="zh-CN" altLang="en-US">
+              <a:latin typeface="微软雅黑" panose="020B0503020204020204" charset="-122"/>
+              <a:ea typeface="微软雅黑" panose="020B0503020204020204" charset="-122"/>
+            </a:rPr>
+            <a:t>提升消费端福利（长尾需求得到实现）</a:t>
+          </a:r>
+          <a:endParaRPr lang="zh-CN" altLang="en-US">
+            <a:latin typeface="微软雅黑" panose="020B0503020204020204" charset="-122"/>
+            <a:ea typeface="微软雅黑" panose="020B0503020204020204" charset="-122"/>
+          </a:endParaRPr>
+        </a:p>
+      </dsp:txBody>
+      <dsp:txXfrm>
+        <a:off x="5037278" y="1841253"/>
+        <a:ext cx="1735950" cy="1735950"/>
+      </dsp:txXfrm>
+    </dsp:sp>
+    <dsp:sp modelId="{212C6A32-E039-4B6C-B264-DA671275507E}">
+      <dsp:nvSpPr>
+        <dsp:cNvPr id="8" name="右箭头 7"/>
+        <dsp:cNvSpPr/>
+      </dsp:nvSpPr>
+      <dsp:spPr bwMode="white">
+        <a:xfrm rot="8100000">
+          <a:off x="4754613" y="3336912"/>
+          <a:ext cx="460027" cy="585883"/>
+        </a:xfrm>
+        <a:prstGeom prst="rightArrow">
+          <a:avLst>
+            <a:gd name="adj1" fmla="val 60000"/>
+            <a:gd name="adj2" fmla="val 50000"/>
+          </a:avLst>
+        </a:prstGeom>
+      </dsp:spPr>
+      <dsp:style>
+        <a:lnRef idx="0">
+          <a:schemeClr val="accent1">
+            <a:tint val="60000"/>
+          </a:schemeClr>
+        </a:lnRef>
+        <a:fillRef idx="1">
+          <a:schemeClr val="accent1">
+            <a:tint val="60000"/>
+          </a:schemeClr>
+        </a:fillRef>
+        <a:effectRef idx="0">
+          <a:scrgbClr r="0" g="0" b="0"/>
+        </a:effectRef>
+        <a:fontRef idx="minor">
+          <a:schemeClr val="lt1"/>
+        </a:fontRef>
+      </dsp:style>
+      <dsp:txBody>
+        <a:bodyPr rot="10800000" lIns="0" tIns="0" rIns="0" bIns="0" anchor="ctr"/>
+        <a:lstStyle>
+          <a:lvl1pPr algn="ctr">
+            <a:defRPr sz="5500"/>
+          </a:lvl1pPr>
+          <a:lvl2pPr marL="285750" indent="-285750" algn="ctr">
+            <a:defRPr sz="4200"/>
+          </a:lvl2pPr>
+          <a:lvl3pPr marL="571500" indent="-285750" algn="ctr">
+            <a:defRPr sz="4200"/>
+          </a:lvl3pPr>
+          <a:lvl4pPr marL="857250" indent="-285750" algn="ctr">
+            <a:defRPr sz="4200"/>
+          </a:lvl4pPr>
+          <a:lvl5pPr marL="1143000" indent="-285750" algn="ctr">
+            <a:defRPr sz="4200"/>
+          </a:lvl5pPr>
+          <a:lvl6pPr marL="1428750" indent="-285750" algn="ctr">
+            <a:defRPr sz="4200"/>
+          </a:lvl6pPr>
+          <a:lvl7pPr marL="1714500" indent="-285750" algn="ctr">
+            <a:defRPr sz="4200"/>
+          </a:lvl7pPr>
+          <a:lvl8pPr marL="2000250" indent="-285750" algn="ctr">
+            <a:defRPr sz="4200"/>
+          </a:lvl8pPr>
+          <a:lvl9pPr marL="2286000" indent="-285750" algn="ctr">
+            <a:defRPr sz="4200"/>
+          </a:lvl9pPr>
+        </a:lstStyle>
+        <a:p>
+          <a:pPr lvl="0">
+            <a:lnSpc>
+              <a:spcPct val="100000"/>
+            </a:lnSpc>
+            <a:spcBef>
+              <a:spcPct val="0"/>
+            </a:spcBef>
+            <a:spcAft>
+              <a:spcPct val="35000"/>
+            </a:spcAft>
+          </a:pPr>
+          <a:endParaRPr lang="zh-CN" altLang="en-US"/>
+        </a:p>
+      </dsp:txBody>
+      <dsp:txXfrm rot="8100000">
+        <a:off x="4754613" y="3336912"/>
+        <a:ext cx="460027" cy="585883"/>
+      </dsp:txXfrm>
+    </dsp:sp>
+    <dsp:sp modelId="{16EAD731-A57C-4041-B559-7EC79077EC53}">
+      <dsp:nvSpPr>
+        <dsp:cNvPr id="9" name="椭圆 8"/>
+        <dsp:cNvSpPr/>
+      </dsp:nvSpPr>
+      <dsp:spPr bwMode="white">
+        <a:xfrm>
+          <a:off x="3196025" y="3682505"/>
+          <a:ext cx="1735950" cy="1735950"/>
+        </a:xfrm>
+        <a:prstGeom prst="ellipse">
+          <a:avLst/>
+        </a:prstGeom>
+      </dsp:spPr>
+      <dsp:style>
+        <a:lnRef idx="2">
+          <a:schemeClr val="lt1"/>
+        </a:lnRef>
+        <a:fillRef idx="1">
+          <a:schemeClr val="accent1"/>
+        </a:fillRef>
+        <a:effectRef idx="0">
+          <a:scrgbClr r="0" g="0" b="0"/>
+        </a:effectRef>
+        <a:fontRef idx="minor">
+          <a:schemeClr val="lt1"/>
+        </a:fontRef>
+      </dsp:style>
+      <dsp:txBody>
+        <a:bodyPr vert="horz" wrap="square" lIns="22860" tIns="22860" rIns="22860" bIns="22860" anchor="ctr"/>
+        <a:lstStyle>
+          <a:lvl1pPr algn="ctr">
+            <a:defRPr sz="1800"/>
+          </a:lvl1pPr>
+          <a:lvl2pPr marL="114300" indent="-114300" algn="ctr">
+            <a:defRPr sz="1400"/>
+          </a:lvl2pPr>
+          <a:lvl3pPr marL="228600" indent="-114300" algn="ctr">
+            <a:defRPr sz="1400"/>
+          </a:lvl3pPr>
+          <a:lvl4pPr marL="342900" indent="-114300" algn="ctr">
+            <a:defRPr sz="1400"/>
+          </a:lvl4pPr>
+          <a:lvl5pPr marL="457200" indent="-114300" algn="ctr">
+            <a:defRPr sz="1400"/>
+          </a:lvl5pPr>
+          <a:lvl6pPr marL="571500" indent="-114300" algn="ctr">
+            <a:defRPr sz="1400"/>
+          </a:lvl6pPr>
+          <a:lvl7pPr marL="685800" indent="-114300" algn="ctr">
+            <a:defRPr sz="1400"/>
+          </a:lvl7pPr>
+          <a:lvl8pPr marL="800100" indent="-114300" algn="ctr">
+            <a:defRPr sz="1400"/>
+          </a:lvl8pPr>
+          <a:lvl9pPr marL="914400" indent="-114300" algn="ctr">
+            <a:defRPr sz="1400"/>
+          </a:lvl9pPr>
+        </a:lstStyle>
+        <a:p>
+          <a:pPr lvl="0">
+            <a:lnSpc>
+              <a:spcPct val="100000"/>
+            </a:lnSpc>
+            <a:spcBef>
+              <a:spcPct val="0"/>
+            </a:spcBef>
+            <a:spcAft>
+              <a:spcPct val="35000"/>
+            </a:spcAft>
+          </a:pPr>
+          <a:r>
+            <a:rPr lang="zh-CN" altLang="en-US">
+              <a:latin typeface="微软雅黑" panose="020B0503020204020204" charset="-122"/>
+              <a:ea typeface="微软雅黑" panose="020B0503020204020204" charset="-122"/>
+            </a:rPr>
+            <a:t>网购消费者激增</a:t>
+          </a:r>
+          <a:endParaRPr lang="zh-CN" altLang="en-US">
+            <a:latin typeface="微软雅黑" panose="020B0503020204020204" charset="-122"/>
+            <a:ea typeface="微软雅黑" panose="020B0503020204020204" charset="-122"/>
+          </a:endParaRPr>
+        </a:p>
+      </dsp:txBody>
+      <dsp:txXfrm>
+        <a:off x="3196025" y="3682505"/>
+        <a:ext cx="1735950" cy="1735950"/>
+      </dsp:txXfrm>
+    </dsp:sp>
+    <dsp:sp modelId="{2E34DF9E-868B-4A46-AA78-8199053E3B5A}">
+      <dsp:nvSpPr>
+        <dsp:cNvPr id="10" name="右箭头 9"/>
+        <dsp:cNvSpPr/>
+      </dsp:nvSpPr>
+      <dsp:spPr bwMode="white">
+        <a:xfrm rot="13500000">
+          <a:off x="2913360" y="3336912"/>
+          <a:ext cx="460027" cy="585883"/>
+        </a:xfrm>
+        <a:prstGeom prst="rightArrow">
+          <a:avLst>
+            <a:gd name="adj1" fmla="val 60000"/>
+            <a:gd name="adj2" fmla="val 50000"/>
+          </a:avLst>
+        </a:prstGeom>
+      </dsp:spPr>
+      <dsp:style>
+        <a:lnRef idx="0">
+          <a:schemeClr val="accent1">
+            <a:tint val="60000"/>
+          </a:schemeClr>
+        </a:lnRef>
+        <a:fillRef idx="1">
+          <a:schemeClr val="accent1">
+            <a:tint val="60000"/>
+          </a:schemeClr>
+        </a:fillRef>
+        <a:effectRef idx="0">
+          <a:scrgbClr r="0" g="0" b="0"/>
+        </a:effectRef>
+        <a:fontRef idx="minor">
+          <a:schemeClr val="lt1"/>
+        </a:fontRef>
+      </dsp:style>
+      <dsp:txBody>
+        <a:bodyPr rot="10800000" lIns="0" tIns="0" rIns="0" bIns="0" anchor="ctr"/>
+        <a:lstStyle>
+          <a:lvl1pPr algn="ctr">
+            <a:defRPr sz="5500"/>
+          </a:lvl1pPr>
+          <a:lvl2pPr marL="285750" indent="-285750" algn="ctr">
+            <a:defRPr sz="4200"/>
+          </a:lvl2pPr>
+          <a:lvl3pPr marL="571500" indent="-285750" algn="ctr">
+            <a:defRPr sz="4200"/>
+          </a:lvl3pPr>
+          <a:lvl4pPr marL="857250" indent="-285750" algn="ctr">
+            <a:defRPr sz="4200"/>
+          </a:lvl4pPr>
+          <a:lvl5pPr marL="1143000" indent="-285750" algn="ctr">
+            <a:defRPr sz="4200"/>
+          </a:lvl5pPr>
+          <a:lvl6pPr marL="1428750" indent="-285750" algn="ctr">
+            <a:defRPr sz="4200"/>
+          </a:lvl6pPr>
+          <a:lvl7pPr marL="1714500" indent="-285750" algn="ctr">
+            <a:defRPr sz="4200"/>
+          </a:lvl7pPr>
+          <a:lvl8pPr marL="2000250" indent="-285750" algn="ctr">
+            <a:defRPr sz="4200"/>
+          </a:lvl8pPr>
+          <a:lvl9pPr marL="2286000" indent="-285750" algn="ctr">
+            <a:defRPr sz="4200"/>
+          </a:lvl9pPr>
+        </a:lstStyle>
+        <a:p>
+          <a:pPr lvl="0">
+            <a:lnSpc>
+              <a:spcPct val="100000"/>
+            </a:lnSpc>
+            <a:spcBef>
+              <a:spcPct val="0"/>
+            </a:spcBef>
+            <a:spcAft>
+              <a:spcPct val="35000"/>
+            </a:spcAft>
+          </a:pPr>
+          <a:endParaRPr lang="zh-CN" altLang="en-US"/>
+        </a:p>
+      </dsp:txBody>
+      <dsp:txXfrm rot="13500000">
+        <a:off x="2913360" y="3336912"/>
+        <a:ext cx="460027" cy="585883"/>
+      </dsp:txXfrm>
+    </dsp:sp>
+    <dsp:sp modelId="{12FF041E-83E1-47C9-B066-87396D274A0D}">
+      <dsp:nvSpPr>
+        <dsp:cNvPr id="11" name="椭圆 10"/>
+        <dsp:cNvSpPr/>
+      </dsp:nvSpPr>
+      <dsp:spPr bwMode="white">
+        <a:xfrm>
+          <a:off x="1354773" y="1841253"/>
+          <a:ext cx="1735950" cy="1735950"/>
+        </a:xfrm>
+        <a:prstGeom prst="ellipse">
+          <a:avLst/>
+        </a:prstGeom>
+      </dsp:spPr>
+      <dsp:style>
+        <a:lnRef idx="2">
+          <a:schemeClr val="lt1"/>
+        </a:lnRef>
+        <a:fillRef idx="1">
+          <a:schemeClr val="accent1"/>
+        </a:fillRef>
+        <a:effectRef idx="0">
+          <a:scrgbClr r="0" g="0" b="0"/>
+        </a:effectRef>
+        <a:fontRef idx="minor">
+          <a:schemeClr val="lt1"/>
+        </a:fontRef>
+      </dsp:style>
+      <dsp:txBody>
+        <a:bodyPr vert="horz" wrap="square" lIns="22860" tIns="22860" rIns="22860" bIns="22860" anchor="ctr"/>
+        <a:lstStyle>
+          <a:lvl1pPr algn="ctr">
+            <a:defRPr sz="1800"/>
+          </a:lvl1pPr>
+          <a:lvl2pPr marL="114300" indent="-114300" algn="ctr">
+            <a:defRPr sz="1400"/>
+          </a:lvl2pPr>
+          <a:lvl3pPr marL="228600" indent="-114300" algn="ctr">
+            <a:defRPr sz="1400"/>
+          </a:lvl3pPr>
+          <a:lvl4pPr marL="342900" indent="-114300" algn="ctr">
+            <a:defRPr sz="1400"/>
+          </a:lvl4pPr>
+          <a:lvl5pPr marL="457200" indent="-114300" algn="ctr">
+            <a:defRPr sz="1400"/>
+          </a:lvl5pPr>
+          <a:lvl6pPr marL="571500" indent="-114300" algn="ctr">
+            <a:defRPr sz="1400"/>
+          </a:lvl6pPr>
+          <a:lvl7pPr marL="685800" indent="-114300" algn="ctr">
+            <a:defRPr sz="1400"/>
+          </a:lvl7pPr>
+          <a:lvl8pPr marL="800100" indent="-114300" algn="ctr">
+            <a:defRPr sz="1400"/>
+          </a:lvl8pPr>
+          <a:lvl9pPr marL="914400" indent="-114300" algn="ctr">
+            <a:defRPr sz="1400"/>
+          </a:lvl9pPr>
+        </a:lstStyle>
+        <a:p>
+          <a:pPr lvl="0">
+            <a:lnSpc>
+              <a:spcPct val="100000"/>
+            </a:lnSpc>
+            <a:spcBef>
+              <a:spcPct val="0"/>
+            </a:spcBef>
+            <a:spcAft>
+              <a:spcPct val="35000"/>
+            </a:spcAft>
+          </a:pPr>
+          <a:r>
+            <a:rPr lang="zh-CN" altLang="en-US">
+              <a:latin typeface="微软雅黑" panose="020B0503020204020204" charset="-122"/>
+              <a:ea typeface="微软雅黑" panose="020B0503020204020204" charset="-122"/>
+            </a:rPr>
+            <a:t>刺激供应端几何级数扩张</a:t>
+          </a:r>
+          <a:endParaRPr lang="zh-CN" altLang="en-US">
+            <a:latin typeface="微软雅黑" panose="020B0503020204020204" charset="-122"/>
+            <a:ea typeface="微软雅黑" panose="020B0503020204020204" charset="-122"/>
+          </a:endParaRPr>
+        </a:p>
+      </dsp:txBody>
+      <dsp:txXfrm>
+        <a:off x="1354773" y="1841253"/>
+        <a:ext cx="1735950" cy="1735950"/>
+      </dsp:txXfrm>
+    </dsp:sp>
+    <dsp:sp modelId="{AAFAAFBE-67D6-4C79-BA3C-CA0235E4A8BE}">
+      <dsp:nvSpPr>
+        <dsp:cNvPr id="12" name="右箭头 11"/>
+        <dsp:cNvSpPr/>
+      </dsp:nvSpPr>
+      <dsp:spPr bwMode="white">
+        <a:xfrm rot="-2699999">
+          <a:off x="2913360" y="1495660"/>
+          <a:ext cx="460027" cy="585883"/>
+        </a:xfrm>
+        <a:prstGeom prst="rightArrow">
+          <a:avLst>
+            <a:gd name="adj1" fmla="val 60000"/>
+            <a:gd name="adj2" fmla="val 50000"/>
+          </a:avLst>
+        </a:prstGeom>
+      </dsp:spPr>
+      <dsp:style>
+        <a:lnRef idx="0">
+          <a:schemeClr val="accent1">
+            <a:tint val="60000"/>
+          </a:schemeClr>
+        </a:lnRef>
+        <a:fillRef idx="1">
+          <a:schemeClr val="accent1">
+            <a:tint val="60000"/>
+          </a:schemeClr>
+        </a:fillRef>
+        <a:effectRef idx="0">
+          <a:scrgbClr r="0" g="0" b="0"/>
+        </a:effectRef>
+        <a:fontRef idx="minor">
+          <a:schemeClr val="lt1"/>
+        </a:fontRef>
+      </dsp:style>
+      <dsp:txBody>
+        <a:bodyPr lIns="0" tIns="0" rIns="0" bIns="0" anchor="ctr"/>
+        <a:lstStyle>
+          <a:lvl1pPr algn="ctr">
+            <a:defRPr sz="5500"/>
+          </a:lvl1pPr>
+          <a:lvl2pPr marL="285750" indent="-285750" algn="ctr">
+            <a:defRPr sz="4200"/>
+          </a:lvl2pPr>
+          <a:lvl3pPr marL="571500" indent="-285750" algn="ctr">
+            <a:defRPr sz="4200"/>
+          </a:lvl3pPr>
+          <a:lvl4pPr marL="857250" indent="-285750" algn="ctr">
+            <a:defRPr sz="4200"/>
+          </a:lvl4pPr>
+          <a:lvl5pPr marL="1143000" indent="-285750" algn="ctr">
+            <a:defRPr sz="4200"/>
+          </a:lvl5pPr>
+          <a:lvl6pPr marL="1428750" indent="-285750" algn="ctr">
+            <a:defRPr sz="4200"/>
+          </a:lvl6pPr>
+          <a:lvl7pPr marL="1714500" indent="-285750" algn="ctr">
+            <a:defRPr sz="4200"/>
+          </a:lvl7pPr>
+          <a:lvl8pPr marL="2000250" indent="-285750" algn="ctr">
+            <a:defRPr sz="4200"/>
+          </a:lvl8pPr>
+          <a:lvl9pPr marL="2286000" indent="-285750" algn="ctr">
+            <a:defRPr sz="4200"/>
+          </a:lvl9pPr>
+        </a:lstStyle>
+        <a:p>
+          <a:pPr lvl="0">
+            <a:lnSpc>
+              <a:spcPct val="100000"/>
+            </a:lnSpc>
+            <a:spcBef>
+              <a:spcPct val="0"/>
+            </a:spcBef>
+            <a:spcAft>
+              <a:spcPct val="35000"/>
+            </a:spcAft>
+          </a:pPr>
+          <a:endParaRPr lang="zh-CN" altLang="en-US"/>
+        </a:p>
+      </dsp:txBody>
+      <dsp:txXfrm rot="-2699999">
+        <a:off x="2913360" y="1495660"/>
+        <a:ext cx="460027" cy="585883"/>
+      </dsp:txXfrm>
+    </dsp:sp>
+  </dsp:spTree>
+</dsp:drawing>
+</file>
+
+<file path=ppt/diagrams/layout1.xml><?xml version="1.0" encoding="utf-8"?>
+<dgm:layoutDef xmlns:dgm="http://schemas.openxmlformats.org/drawingml/2006/diagram" xmlns:a="http://schemas.openxmlformats.org/drawingml/2006/main" uniqueId="urn:microsoft.com/office/officeart/2005/8/layout/cycle2">
+  <dgm:title val=""/>
+  <dgm:desc val=""/>
+  <dgm:catLst>
+    <dgm:cat type="cycle" pri="1000"/>
+    <dgm:cat type="convert" pri="10000"/>
+  </dgm:catLst>
+  <dgm:sampData>
+    <dgm:dataModel>
+      <dgm:ptLst>
+        <dgm:pt modelId="0" type="doc"/>
+        <dgm:pt modelId="1">
+          <dgm:prSet phldr="true"/>
+        </dgm:pt>
+        <dgm:pt modelId="2">
+          <dgm:prSet phldr="true"/>
+        </dgm:pt>
+        <dgm:pt modelId="3">
+          <dgm:prSet phldr="true"/>
+        </dgm:pt>
+        <dgm:pt modelId="4">
+          <dgm:prSet phldr="true"/>
+        </dgm:pt>
+        <dgm:pt modelId="5">
+          <dgm:prSet phldr="true"/>
+        </dgm:pt>
+      </dgm:ptLst>
+      <dgm:cxnLst>
+        <dgm:cxn modelId="6" srcId="0" destId="1" srcOrd="0" destOrd="0"/>
+        <dgm:cxn modelId="7" srcId="0" destId="2" srcOrd="1" destOrd="0"/>
+        <dgm:cxn modelId="8" srcId="0" destId="3" srcOrd="2" destOrd="0"/>
+        <dgm:cxn modelId="9" srcId="0" destId="4" srcOrd="3" destOrd="0"/>
+        <dgm:cxn modelId="10" srcId="0" destId="5" srcOrd="4" destOrd="0"/>
+      </dgm:cxnLst>
+      <dgm:bg/>
+      <dgm:whole/>
+    </dgm:dataModel>
+  </dgm:sampData>
+  <dgm:styleData>
+    <dgm:dataModel>
+      <dgm:ptLst>
+        <dgm:pt modelId="0" type="doc">
+          <dgm:prSet qsTypeId="urn:microsoft.com/office/officeart/2005/8/quickstyle/simple5"/>
+        </dgm:pt>
+        <dgm:pt modelId="1"/>
+        <dgm:pt modelId="2"/>
+        <dgm:pt modelId="3"/>
+      </dgm:ptLst>
+      <dgm:cxnLst>
+        <dgm:cxn modelId="4" srcId="0" destId="1" srcOrd="0" destOrd="0"/>
+        <dgm:cxn modelId="5" srcId="0" destId="2" srcOrd="1" destOrd="0"/>
+        <dgm:cxn modelId="6" srcId="0" destId="3" srcOrd="2" destOrd="0"/>
+      </dgm:cxnLst>
+      <dgm:bg/>
+      <dgm:whole/>
+    </dgm:dataModel>
+  </dgm:styleData>
+  <dgm:clrData>
+    <dgm:dataModel>
+      <dgm:ptLst>
+        <dgm:pt modelId="0" type="doc"/>
+        <dgm:pt modelId="1"/>
+        <dgm:pt modelId="2"/>
+        <dgm:pt modelId="3"/>
+        <dgm:pt modelId="4"/>
+        <dgm:pt modelId="5"/>
+        <dgm:pt modelId="6"/>
+      </dgm:ptLst>
+      <dgm:cxnLst>
+        <dgm:cxn modelId="7" srcId="0" destId="1" srcOrd="0" destOrd="0"/>
+        <dgm:cxn modelId="8" srcId="0" destId="2" srcOrd="1" destOrd="0"/>
+        <dgm:cxn modelId="9" srcId="0" destId="3" srcOrd="2" destOrd="0"/>
+        <dgm:cxn modelId="10" srcId="0" destId="4" srcOrd="3" destOrd="0"/>
+        <dgm:cxn modelId="11" srcId="0" destId="5" srcOrd="4" destOrd="0"/>
+        <dgm:cxn modelId="12" srcId="0" destId="6" srcOrd="5" destOrd="0"/>
+      </dgm:cxnLst>
+      <dgm:bg/>
+      <dgm:whole/>
+    </dgm:dataModel>
+  </dgm:clrData>
+  <dgm:layoutNode name="cycle">
+    <dgm:varLst>
+      <dgm:dir/>
+      <dgm:resizeHandles val="exact"/>
+    </dgm:varLst>
+    <dgm:choose name="Name0">
+      <dgm:if name="Name1" func="var" arg="dir" op="equ" val="norm">
+        <dgm:choose name="Name2">
+          <dgm:if name="Name3" axis="ch" ptType="node" func="cnt" op="gt" val="2">
+            <dgm:alg type="cycle">
+              <dgm:param type="stAng" val="0"/>
+              <dgm:param type="spanAng" val="360"/>
+            </dgm:alg>
+          </dgm:if>
+          <dgm:else name="Name4">
+            <dgm:alg type="cycle">
+              <dgm:param type="stAng" val="-90"/>
+              <dgm:param type="spanAng" val="360"/>
+            </dgm:alg>
+          </dgm:else>
+        </dgm:choose>
+      </dgm:if>
+      <dgm:else name="Name5">
+        <dgm:choose name="Name6">
+          <dgm:if name="Name7" axis="ch" ptType="node" func="cnt" op="gt" val="2">
+            <dgm:alg type="cycle">
+              <dgm:param type="stAng" val="0"/>
+              <dgm:param type="spanAng" val="-360"/>
+            </dgm:alg>
+          </dgm:if>
+          <dgm:else name="Name8">
+            <dgm:alg type="cycle">
+              <dgm:param type="stAng" val="90"/>
+              <dgm:param type="spanAng" val="-360"/>
+            </dgm:alg>
+          </dgm:else>
+        </dgm:choose>
+      </dgm:else>
+    </dgm:choose>
+    <dgm:shape xmlns:r="http://schemas.openxmlformats.org/officeDocument/2006/relationships" r:blip="">
+      <dgm:adjLst/>
+    </dgm:shape>
+    <dgm:presOf/>
+    <dgm:constrLst>
+      <dgm:constr type="w" for="ch" ptType="node" refType="w"/>
+      <dgm:constr type="w" for="ch" ptType="sibTrans" refType="w" refFor="ch" refPtType="node" op="equ" fact="0.25"/>
+      <dgm:constr type="sibSp" refType="w" refFor="ch" refPtType="node" fact="0.5"/>
+      <dgm:constr type="primFontSz" for="ch" ptType="node" op="equ" val="65"/>
+      <dgm:constr type="primFontSz" for="des" forName="connectorText" op="equ" val="55"/>
+      <dgm:constr type="primFontSz" for="des" forName="connectorText" refType="primFontSz" refFor="ch" refPtType="node" op="lte" fact="0.8"/>
+    </dgm:constrLst>
+    <dgm:ruleLst/>
+    <dgm:forEach name="nodesForEach" axis="ch" ptType="node">
+      <dgm:layoutNode name="node">
+        <dgm:varLst>
+          <dgm:bulletEnabled val="true"/>
+        </dgm:varLst>
+        <dgm:alg type="tx">
+          <dgm:param type="txAnchorVertCh" val="mid"/>
+        </dgm:alg>
+        <dgm:shape xmlns:r="http://schemas.openxmlformats.org/officeDocument/2006/relationships" type="ellipse" r:blip="">
+          <dgm:adjLst/>
+        </dgm:shape>
+        <dgm:presOf axis="desOrSelf" ptType="node"/>
+        <dgm:constrLst>
+          <dgm:constr type="h" refType="w"/>
+          <dgm:constr type="lMarg" refType="primFontSz" fact="0.1"/>
+          <dgm:constr type="rMarg" refType="primFontSz" fact="0.1"/>
+          <dgm:constr type="tMarg" refType="primFontSz" fact="0.1"/>
+          <dgm:constr type="bMarg" refType="primFontSz" fact="0.1"/>
+        </dgm:constrLst>
+        <dgm:ruleLst>
+          <dgm:rule type="primFontSz" val="5" fact="NaN" max="NaN"/>
+        </dgm:ruleLst>
+      </dgm:layoutNode>
+      <dgm:choose name="Name9">
+        <dgm:if name="Name10" axis="par ch" ptType="doc node" func="cnt" op="gt" val="1">
+          <dgm:forEach name="sibTransForEach" axis="followSib" ptType="sibTrans" hideLastTrans="0" cnt="1">
+            <dgm:layoutNode name="sibTrans">
+              <dgm:choose name="Name11">
+                <dgm:if name="Name12" axis="par ch" ptType="doc node" func="cnt" op="lt" val="3">
+                  <dgm:alg type="conn">
+                    <dgm:param type="begPts" val="radial"/>
+                    <dgm:param type="endPts" val="radial"/>
+                  </dgm:alg>
+                </dgm:if>
+                <dgm:else name="Name13">
+                  <dgm:alg type="conn">
+                    <dgm:param type="begPts" val="auto"/>
+                    <dgm:param type="endPts" val="auto"/>
+                  </dgm:alg>
+                </dgm:else>
+              </dgm:choose>
+              <dgm:shape xmlns:r="http://schemas.openxmlformats.org/officeDocument/2006/relationships" type="conn" r:blip="">
+                <dgm:adjLst/>
+              </dgm:shape>
+              <dgm:presOf axis="self"/>
+              <dgm:constrLst>
+                <dgm:constr type="h" refType="w" fact="1.35"/>
+                <dgm:constr type="connDist"/>
+                <dgm:constr type="w" for="ch" refType="connDist" fact="0.45"/>
+                <dgm:constr type="h" for="ch" refType="h"/>
+              </dgm:constrLst>
+              <dgm:ruleLst/>
+              <dgm:layoutNode name="connectorText">
+                <dgm:alg type="tx">
+                  <dgm:param type="autoTxRot" val="grav"/>
+                </dgm:alg>
+                <dgm:shape xmlns:r="http://schemas.openxmlformats.org/officeDocument/2006/relationships" type="conn" r:blip="" hideGeom="true">
+                  <dgm:adjLst/>
+                </dgm:shape>
+                <dgm:presOf axis="self"/>
+                <dgm:constrLst>
+                  <dgm:constr type="lMarg"/>
+                  <dgm:constr type="rMarg"/>
+                  <dgm:constr type="tMarg"/>
+                  <dgm:constr type="bMarg"/>
+                </dgm:constrLst>
+                <dgm:ruleLst>
+                  <dgm:rule type="primFontSz" val="5" fact="NaN" max="NaN"/>
+                </dgm:ruleLst>
+              </dgm:layoutNode>
+            </dgm:layoutNode>
+          </dgm:forEach>
+        </dgm:if>
+        <dgm:else name="Name14"/>
+      </dgm:choose>
+    </dgm:forEach>
+  </dgm:layoutNode>
+</dgm:layoutDef>
+</file>
+
+<file path=ppt/diagrams/quickStyle1.xml><?xml version="1.0" encoding="utf-8"?>
+<dgm:styleDef xmlns:dgm="http://schemas.openxmlformats.org/drawingml/2006/diagram" xmlns:a="http://schemas.openxmlformats.org/drawingml/2006/main" uniqueId="urn:microsoft.com/office/officeart/2005/8/quickstyle/simple1">
+  <dgm:title val=""/>
+  <dgm:desc val=""/>
+  <dgm:catLst>
+    <dgm:cat type="simple" pri="10100"/>
+  </dgm:catLst>
+  <dgm:scene3d>
+    <a:camera prst="orthographicFront"/>
+    <a:lightRig rig="threePt" dir="t"/>
+  </dgm:scene3d>
+  <dgm:styleLbl name="alignAcc1">
+    <dgm:scene3d>
+      <a:camera prst="orthographicFront"/>
+      <a:lightRig rig="threePt" dir="t"/>
+    </dgm:scene3d>
+    <dgm:txPr/>
+    <dgm:style>
+      <a:lnRef idx="2">
+        <a:scrgbClr r="0" g="0" b="0"/>
+      </a:lnRef>
+      <a:fillRef idx="1">
+        <a:scrgbClr r="0" g="0" b="0"/>
+      </a:fillRef>
+      <a:effectRef idx="0">
+        <a:scrgbClr r="0" g="0" b="0"/>
+      </a:effectRef>
+      <a:fontRef idx="minor"/>
+    </dgm:style>
+  </dgm:styleLbl>
+  <dgm:styleLbl name="alignAccFollowNode1">
+    <dgm:scene3d>
+      <a:camera prst="orthographicFront"/>
+      <a:lightRig rig="threePt" dir="t"/>
+    </dgm:scene3d>
+    <dgm:txPr/>
+    <dgm:style>
+      <a:lnRef idx="2">
+        <a:scrgbClr r="0" g="0" b="0"/>
+      </a:lnRef>
+      <a:fillRef idx="1">
+        <a:scrgbClr r="0" g="0" b="0"/>
+      </a:fillRef>
+      <a:effectRef idx="0">
+        <a:scrgbClr r="0" g="0" b="0"/>
+      </a:effectRef>
+      <a:fontRef idx="minor"/>
+    </dgm:style>
+  </dgm:styleLbl>
+  <dgm:styleLbl name="alignImgPlace1">
+    <dgm:scene3d>
+      <a:camera prst="orthographicFront"/>
+      <a:lightRig rig="threePt" dir="t"/>
+    </dgm:scene3d>
+    <dgm:txPr/>
+    <dgm:style>
+      <a:lnRef idx="2">
+        <a:scrgbClr r="0" g="0" b="0"/>
+      </a:lnRef>
+      <a:fillRef idx="1">
+        <a:scrgbClr r="0" g="0" b="0"/>
+      </a:fillRef>
+      <a:effectRef idx="0">
+        <a:scrgbClr r="0" g="0" b="0"/>
+      </a:effectRef>
+      <a:fontRef idx="minor"/>
+    </dgm:style>
+  </dgm:styleLbl>
+  <dgm:styleLbl name="alignNode1">
+    <dgm:scene3d>
+      <a:camera prst="orthographicFront"/>
+      <a:lightRig rig="threePt" dir="t"/>
+    </dgm:scene3d>
+    <dgm:txPr/>
+    <dgm:style>
+      <a:lnRef idx="2">
+        <a:scrgbClr r="0" g="0" b="0"/>
+      </a:lnRef>
+      <a:fillRef idx="1">
+        <a:scrgbClr r="0" g="0" b="0"/>
+      </a:fillRef>
+      <a:effectRef idx="0">
+        <a:scrgbClr r="0" g="0" b="0"/>
+      </a:effectRef>
+      <a:fontRef idx="minor">
+        <a:schemeClr val="lt1"/>
+      </a:fontRef>
+    </dgm:style>
+  </dgm:styleLbl>
+  <dgm:styleLbl name="asst0">
+    <dgm:scene3d>
+      <a:camera prst="orthographicFront"/>
+      <a:lightRig rig="threePt" dir="t"/>
+    </dgm:scene3d>
+    <dgm:txPr/>
+    <dgm:style>
+      <a:lnRef idx="2">
+        <a:scrgbClr r="0" g="0" b="0"/>
+      </a:lnRef>
+      <a:fillRef idx="1">
+        <a:scrgbClr r="0" g="0" b="0"/>
+      </a:fillRef>
+      <a:effectRef idx="0">
+        <a:scrgbClr r="0" g="0" b="0"/>
+      </a:effectRef>
+      <a:fontRef idx="minor">
+        <a:schemeClr val="lt1"/>
+      </a:fontRef>
+    </dgm:style>
+  </dgm:styleLbl>
+  <dgm:styleLbl name="asst1">
+    <dgm:scene3d>
+      <a:camera prst="orthographicFront"/>
+      <a:lightRig rig="threePt" dir="t"/>
+    </dgm:scene3d>
+    <dgm:txPr/>
+    <dgm:style>
+      <a:lnRef idx="2">
+        <a:scrgbClr r="0" g="0" b="0"/>
+      </a:lnRef>
+      <a:fillRef idx="1">
+        <a:scrgbClr r="0" g="0" b="0"/>
+      </a:fillRef>
+      <a:effectRef idx="0">
+        <a:scrgbClr r="0" g="0" b="0"/>
+      </a:effectRef>
+      <a:fontRef idx="minor">
+        <a:schemeClr val="lt1"/>
+      </a:fontRef>
+    </dgm:style>
+  </dgm:styleLbl>
+  <dgm:styleLbl name="asst2">
+    <dgm:scene3d>
+      <a:camera prst="orthographicFront"/>
+      <a:lightRig rig="threePt" dir="t"/>
+    </dgm:scene3d>
+    <dgm:txPr/>
+    <dgm:style>
+      <a:lnRef idx="2">
+        <a:scrgbClr r="0" g="0" b="0"/>
+      </a:lnRef>
+      <a:fillRef idx="1">
+        <a:scrgbClr r="0" g="0" b="0"/>
+      </a:fillRef>
+      <a:effectRef idx="0">
+        <a:scrgbClr r="0" g="0" b="0"/>
+      </a:effectRef>
+      <a:fontRef idx="minor">
+        <a:schemeClr val="lt1"/>
+      </a:fontRef>
+    </dgm:style>
+  </dgm:styleLbl>
+  <dgm:styleLbl name="asst3">
+    <dgm:scene3d>
+      <a:camera prst="orthographicFront"/>
+      <a:lightRig rig="threePt" dir="t"/>
+    </dgm:scene3d>
+    <dgm:txPr/>
+    <dgm:style>
+      <a:lnRef idx="2">
+        <a:scrgbClr r="0" g="0" b="0"/>
+      </a:lnRef>
+      <a:fillRef idx="1">
+        <a:scrgbClr r="0" g="0" b="0"/>
+      </a:fillRef>
+      <a:effectRef idx="0">
+        <a:scrgbClr r="0" g="0" b="0"/>
+      </a:effectRef>
+      <a:fontRef idx="minor">
+        <a:schemeClr val="lt1"/>
+      </a:fontRef>
+    </dgm:style>
+  </dgm:styleLbl>
+  <dgm:styleLbl name="asst4">
+    <dgm:scene3d>
+      <a:camera prst="orthographicFront"/>
+      <a:lightRig rig="threePt" dir="t"/>
+    </dgm:scene3d>
+    <dgm:txPr/>
+    <dgm:style>
+      <a:lnRef idx="2">
+        <a:scrgbClr r="0" g="0" b="0"/>
+      </a:lnRef>
+      <a:fillRef idx="1">
+        <a:scrgbClr r="0" g="0" b="0"/>
+      </a:fillRef>
+      <a:effectRef idx="0">
+        <a:scrgbClr r="0" g="0" b="0"/>
+      </a:effectRef>
+      <a:fontRef idx="minor">
+        <a:schemeClr val="lt1"/>
+      </a:fontRef>
+    </dgm:style>
+  </dgm:styleLbl>
+  <dgm:styleLbl name="bgAcc1">
+    <dgm:scene3d>
+      <a:camera prst="orthographicFront"/>
+      <a:lightRig rig="threePt" dir="t"/>
+    </dgm:scene3d>
+    <dgm:txPr/>
+    <dgm:style>
+      <a:lnRef idx="2">
+        <a:scrgbClr r="0" g="0" b="0"/>
+      </a:lnRef>
+      <a:fillRef idx="1">
+        <a:scrgbClr r="0" g="0" b="0"/>
+      </a:fillRef>
+      <a:effectRef idx="0">
+        <a:scrgbClr r="0" g="0" b="0"/>
+      </a:effectRef>
+      <a:fontRef idx="minor"/>
+    </dgm:style>
+  </dgm:styleLbl>
+  <dgm:styleLbl name="bgAccFollowNode1">
+    <dgm:scene3d>
+      <a:camera prst="orthographicFront"/>
+      <a:lightRig rig="threePt" dir="t"/>
+    </dgm:scene3d>
+    <dgm:txPr/>
+    <dgm:style>
+      <a:lnRef idx="2">
+        <a:scrgbClr r="0" g="0" b="0"/>
+      </a:lnRef>
+      <a:fillRef idx="1">
+        <a:scrgbClr r="0" g="0" b="0"/>
+      </a:fillRef>
+      <a:effectRef idx="0">
+        <a:scrgbClr r="0" g="0" b="0"/>
+      </a:effectRef>
+      <a:fontRef idx="minor"/>
+    </dgm:style>
+  </dgm:styleLbl>
+  <dgm:styleLbl name="bgImgPlace1">
+    <dgm:scene3d>
+      <a:camera prst="orthographicFront"/>
+      <a:lightRig rig="threePt" dir="t"/>
+    </dgm:scene3d>
+    <dgm:txPr/>
+    <dgm:style>
+      <a:lnRef idx="2">
+        <a:scrgbClr r="0" g="0" b="0"/>
+      </a:lnRef>
+      <a:fillRef idx="1">
+        <a:scrgbClr r="0" g="0" b="0"/>
+      </a:fillRef>
+      <a:effectRef idx="0">
+        <a:scrgbClr r="0" g="0" b="0"/>
+      </a:effectRef>
+      <a:fontRef idx="minor"/>
+    </dgm:style>
+  </dgm:styleLbl>
+  <dgm:styleLbl name="bgShp">
+    <dgm:scene3d>
+      <a:camera prst="orthographicFront"/>
+      <a:lightRig rig="threePt" dir="t"/>
+    </dgm:scene3d>
+    <dgm:txPr/>
+    <dgm:style>
+      <a:lnRef idx="0">
+        <a:scrgbClr r="0" g="0" b="0"/>
+      </a:lnRef>
+      <a:fillRef idx="1">
+        <a:scrgbClr r="0" g="0" b="0"/>
+      </a:fillRef>
+      <a:effectRef idx="0">
+        <a:scrgbClr r="0" g="0" b="0"/>
+      </a:effectRef>
+      <a:fontRef idx="minor"/>
+    </dgm:style>
+  </dgm:styleLbl>
+  <dgm:styleLbl name="bgSibTrans2D1">
+    <dgm:scene3d>
+      <a:camera prst="orthographicFront"/>
+      <a:lightRig rig="threePt" dir="t"/>
+    </dgm:scene3d>
+    <dgm:txPr/>
+    <dgm:style>
+      <a:lnRef idx="0">
+        <a:scrgbClr r="0" g="0" b="0"/>
+      </a:lnRef>
+      <a:fillRef idx="1">
+        <a:scrgbClr r="0" g="0" b="0"/>
+      </a:fillRef>
+      <a:effectRef idx="0">
+        <a:scrgbClr r="0" g="0" b="0"/>
+      </a:effectRef>
+      <a:fontRef idx="minor">
+        <a:schemeClr val="lt1"/>
+      </a:fontRef>
+    </dgm:style>
+  </dgm:styleLbl>
+  <dgm:styleLbl name="callout">
+    <dgm:scene3d>
+      <a:camera prst="orthographicFront"/>
+      <a:lightRig rig="threePt" dir="t"/>
+    </dgm:scene3d>
+    <dgm:txPr/>
+    <dgm:style>
+      <a:lnRef idx="2">
+        <a:scrgbClr r="0" g="0" b="0"/>
+      </a:lnRef>
+      <a:fillRef idx="1">
+        <a:scrgbClr r="0" g="0" b="0"/>
+      </a:fillRef>
+      <a:effectRef idx="0">
+        <a:scrgbClr r="0" g="0" b="0"/>
+      </a:effectRef>
+      <a:fontRef idx="minor"/>
+    </dgm:style>
+  </dgm:styleLbl>
+  <dgm:styleLbl name="conFgAcc1">
+    <dgm:scene3d>
+      <a:camera prst="orthographicFront"/>
+      <a:lightRig rig="threePt" dir="t"/>
+    </dgm:scene3d>
+    <dgm:txPr/>
+    <dgm:style>
+      <a:lnRef idx="2">
+        <a:scrgbClr r="0" g="0" b="0"/>
+      </a:lnRef>
+      <a:fillRef idx="1">
+        <a:scrgbClr r="0" g="0" b="0"/>
+      </a:fillRef>
+      <a:effectRef idx="0">
+        <a:scrgbClr r="0" g="0" b="0"/>
+      </a:effectRef>
+      <a:fontRef idx="minor"/>
+    </dgm:style>
+  </dgm:styleLbl>
+  <dgm:styleLbl name="dkBgShp">
+    <dgm:scene3d>
+      <a:camera prst="orthographicFront"/>
+      <a:lightRig rig="threePt" dir="t"/>
+    </dgm:scene3d>
+    <dgm:txPr/>
+    <dgm:style>
+      <a:lnRef idx="0">
+        <a:scrgbClr r="0" g="0" b="0"/>
+      </a:lnRef>
+      <a:fillRef idx="1">
+        <a:scrgbClr r="0" g="0" b="0"/>
+      </a:fillRef>
+      <a:effectRef idx="0">
+        <a:scrgbClr r="0" g="0" b="0"/>
+      </a:effectRef>
+      <a:fontRef idx="minor"/>
+    </dgm:style>
+  </dgm:styleLbl>
+  <dgm:styleLbl name="fgAcc0">
+    <dgm:scene3d>
+      <a:camera prst="orthographicFront"/>
+      <a:lightRig rig="threePt" dir="t"/>
+    </dgm:scene3d>
+    <dgm:txPr/>
+    <dgm:style>
+      <a:lnRef idx="2">
+        <a:scrgbClr r="0" g="0" b="0"/>
+      </a:lnRef>
+      <a:fillRef idx="1">
+        <a:scrgbClr r="0" g="0" b="0"/>
+      </a:fillRef>
+      <a:effectRef idx="0">
+        <a:scrgbClr r="0" g="0" b="0"/>
+      </a:effectRef>
+      <a:fontRef idx="minor"/>
+    </dgm:style>
+  </dgm:styleLbl>
+  <dgm:styleLbl name="fgAcc1">
+    <dgm:scene3d>
+      <a:camera prst="orthographicFront"/>
+      <a:lightRig rig="threePt" dir="t"/>
+    </dgm:scene3d>
+    <dgm:txPr/>
+    <dgm:style>
+      <a:lnRef idx="2">
+        <a:scrgbClr r="0" g="0" b="0"/>
+      </a:lnRef>
+      <a:fillRef idx="1">
+        <a:scrgbClr r="0" g="0" b="0"/>
+      </a:fillRef>
+      <a:effectRef idx="0">
+        <a:scrgbClr r="0" g="0" b="0"/>
+      </a:effectRef>
+      <a:fontRef idx="minor"/>
+    </dgm:style>
+  </dgm:styleLbl>
+  <dgm:styleLbl name="fgAcc2">
+    <dgm:scene3d>
+      <a:camera prst="orthographicFront"/>
+      <a:lightRig rig="threePt" dir="t"/>
+    </dgm:scene3d>
+    <dgm:txPr/>
+    <dgm:style>
+      <a:lnRef idx="2">
+        <a:scrgbClr r="0" g="0" b="0"/>
+      </a:lnRef>
+      <a:fillRef idx="1">
+        <a:scrgbClr r="0" g="0" b="0"/>
+      </a:fillRef>
+      <a:effectRef idx="0">
+        <a:scrgbClr r="0" g="0" b="0"/>
+      </a:effectRef>
+      <a:fontRef idx="minor"/>
+    </dgm:style>
+  </dgm:styleLbl>
+  <dgm:styleLbl name="fgAcc3">
+    <dgm:scene3d>
+      <a:camera prst="orthographicFront"/>
+      <a:lightRig rig="threePt" dir="t"/>
+    </dgm:scene3d>
+    <dgm:txPr/>
+    <dgm:style>
+      <a:lnRef idx="2">
+        <a:scrgbClr r="0" g="0" b="0"/>
+      </a:lnRef>
+      <a:fillRef idx="1">
+        <a:scrgbClr r="0" g="0" b="0"/>
+      </a:fillRef>
+      <a:effectRef idx="0">
+        <a:scrgbClr r="0" g="0" b="0"/>
+      </a:effectRef>
+      <a:fontRef idx="minor"/>
+    </dgm:style>
+  </dgm:styleLbl>
+  <dgm:styleLbl name="fgAcc4">
+    <dgm:scene3d>
+      <a:camera prst="orthographicFront"/>
+      <a:lightRig rig="threePt" dir="t"/>
+    </dgm:scene3d>
+    <dgm:txPr/>
+    <dgm:style>
+      <a:lnRef idx="2">
+        <a:scrgbClr r="0" g="0" b="0"/>
+      </a:lnRef>
+      <a:fillRef idx="1">
+        <a:scrgbClr r="0" g="0" b="0"/>
+      </a:fillRef>
+      <a:effectRef idx="0">
+        <a:scrgbClr r="0" g="0" b="0"/>
+      </a:effectRef>
+      <a:fontRef idx="minor"/>
+    </dgm:style>
+  </dgm:styleLbl>
+  <dgm:styleLbl name="fgAccFollowNode1">
+    <dgm:scene3d>
+      <a:camera prst="orthographicFront"/>
+      <a:lightRig rig="threePt" dir="t"/>
+    </dgm:scene3d>
+    <dgm:txPr/>
+    <dgm:style>
+      <a:lnRef idx="2">
+        <a:scrgbClr r="0" g="0" b="0"/>
+      </a:lnRef>
+      <a:fillRef idx="1">
+        <a:scrgbClr r="0" g="0" b="0"/>
+      </a:fillRef>
+      <a:effectRef idx="0">
+        <a:scrgbClr r="0" g="0" b="0"/>
+      </a:effectRef>
+      <a:fontRef idx="minor"/>
+    </dgm:style>
+  </dgm:styleLbl>
+  <dgm:styleLbl name="fgImgPlace1">
+    <dgm:scene3d>
+      <a:camera prst="orthographicFront"/>
+      <a:lightRig rig="threePt" dir="t"/>
+    </dgm:scene3d>
+    <dgm:txPr/>
+    <dgm:style>
+      <a:lnRef idx="2">
+        <a:scrgbClr r="0" g="0" b="0"/>
+      </a:lnRef>
+      <a:fillRef idx="1">
+        <a:scrgbClr r="0" g="0" b="0"/>
+      </a:fillRef>
+      <a:effectRef idx="0">
+        <a:scrgbClr r="0" g="0" b="0"/>
+      </a:effectRef>
+      <a:fontRef idx="minor"/>
+    </dgm:style>
+  </dgm:styleLbl>
+  <dgm:styleLbl name="fgShp">
+    <dgm:scene3d>
+      <a:camera prst="orthographicFront"/>
+      <a:lightRig rig="threePt" dir="t"/>
+    </dgm:scene3d>
+    <dgm:txPr/>
+    <dgm:style>
+      <a:lnRef idx="2">
+        <a:scrgbClr r="0" g="0" b="0"/>
+      </a:lnRef>
+      <a:fillRef idx="1">
+        <a:scrgbClr r="0" g="0" b="0"/>
+      </a:fillRef>
+      <a:effectRef idx="0">
+        <a:scrgbClr r="0" g="0" b="0"/>
+      </a:effectRef>
+      <a:fontRef idx="minor"/>
+    </dgm:style>
+  </dgm:styleLbl>
+  <dgm:styleLbl name="fgSibTrans2D1">
+    <dgm:scene3d>
+      <a:camera prst="orthographicFront"/>
+      <a:lightRig rig="threePt" dir="t"/>
+    </dgm:scene3d>
+    <dgm:txPr/>
+    <dgm:style>
+      <a:lnRef idx="0">
+        <a:scrgbClr r="0" g="0" b="0"/>
+      </a:lnRef>
+      <a:fillRef idx="1">
+        <a:scrgbClr r="0" g="0" b="0"/>
+      </a:fillRef>
+      <a:effectRef idx="0">
+        <a:scrgbClr r="0" g="0" b="0"/>
+      </a:effectRef>
+      <a:fontRef idx="minor">
+        <a:schemeClr val="lt1"/>
+      </a:fontRef>
+    </dgm:style>
+  </dgm:styleLbl>
+  <dgm:styleLbl name="lnNode1">
+    <dgm:scene3d>
+      <a:camera prst="orthographicFront"/>
+      <a:lightRig rig="threePt" dir="t"/>
+    </dgm:scene3d>
+    <dgm:txPr/>
+    <dgm:style>
+      <a:lnRef idx="2">
+        <a:scrgbClr r="0" g="0" b="0"/>
+      </a:lnRef>
+      <a:fillRef idx="1">
+        <a:scrgbClr r="0" g="0" b="0"/>
+      </a:fillRef>
+      <a:effectRef idx="0">
+        <a:scrgbClr r="0" g="0" b="0"/>
+      </a:effectRef>
+      <a:fontRef idx="minor">
+        <a:schemeClr val="lt1"/>
+      </a:fontRef>
+    </dgm:style>
+  </dgm:styleLbl>
+  <dgm:styleLbl name="node0">
+    <dgm:scene3d>
+      <a:camera prst="orthographicFront"/>
+      <a:lightRig rig="threePt" dir="t"/>
+    </dgm:scene3d>
+    <dgm:txPr/>
+    <dgm:style>
+      <a:lnRef idx="2">
+        <a:scrgbClr r="0" g="0" b="0"/>
+      </a:lnRef>
+      <a:fillRef idx="1">
+        <a:scrgbClr r="0" g="0" b="0"/>
+      </a:fillRef>
+      <a:effectRef idx="0">
+        <a:scrgbClr r="0" g="0" b="0"/>
+      </a:effectRef>
+      <a:fontRef idx="minor">
+        <a:schemeClr val="lt1"/>
+      </a:fontRef>
+    </dgm:style>
+  </dgm:styleLbl>
+  <dgm:styleLbl name="node1">
+    <dgm:scene3d>
+      <a:camera prst="orthographicFront"/>
+      <a:lightRig rig="threePt" dir="t"/>
+    </dgm:scene3d>
+    <dgm:txPr/>
+    <dgm:style>
+      <a:lnRef idx="2">
+        <a:scrgbClr r="0" g="0" b="0"/>
+      </a:lnRef>
+      <a:fillRef idx="1">
+        <a:scrgbClr r="0" g="0" b="0"/>
+      </a:fillRef>
+      <a:effectRef idx="0">
+        <a:scrgbClr r="0" g="0" b="0"/>
+      </a:effectRef>
+      <a:fontRef idx="minor">
+        <a:schemeClr val="lt1"/>
+      </a:fontRef>
+    </dgm:style>
+  </dgm:styleLbl>
+  <dgm:styleLbl name="node2">
+    <dgm:scene3d>
+      <a:camera prst="orthographicFront"/>
+      <a:lightRig rig="threePt" dir="t"/>
+    </dgm:scene3d>
+    <dgm:txPr/>
+    <dgm:style>
+      <a:lnRef idx="2">
+        <a:scrgbClr r="0" g="0" b="0"/>
+      </a:lnRef>
+      <a:fillRef idx="1">
+        <a:scrgbClr r="0" g="0" b="0"/>
+      </a:fillRef>
+      <a:effectRef idx="0">
+        <a:scrgbClr r="0" g="0" b="0"/>
+      </a:effectRef>
+      <a:fontRef idx="minor">
+        <a:schemeClr val="lt1"/>
+      </a:fontRef>
+    </dgm:style>
+  </dgm:styleLbl>
+  <dgm:styleLbl name="node3">
+    <dgm:scene3d>
+      <a:camera prst="orthographicFront"/>
+      <a:lightRig rig="threePt" dir="t"/>
+    </dgm:scene3d>
+    <dgm:txPr/>
+    <dgm:style>
+      <a:lnRef idx="2">
+        <a:scrgbClr r="0" g="0" b="0"/>
+      </a:lnRef>
+      <a:fillRef idx="1">
+        <a:scrgbClr r="0" g="0" b="0"/>
+      </a:fillRef>
+      <a:effectRef idx="0">
+        <a:scrgbClr r="0" g="0" b="0"/>
+      </a:effectRef>
+      <a:fontRef idx="minor">
+        <a:schemeClr val="lt1"/>
+      </a:fontRef>
+    </dgm:style>
+  </dgm:styleLbl>
+  <dgm:styleLbl name="node4">
+    <dgm:scene3d>
+      <a:camera prst="orthographicFront"/>
+      <a:lightRig rig="threePt" dir="t"/>
+    </dgm:scene3d>
+    <dgm:txPr/>
+    <dgm:style>
+      <a:lnRef idx="2">
+        <a:scrgbClr r="0" g="0" b="0"/>
+      </a:lnRef>
+      <a:fillRef idx="1">
+        <a:scrgbClr r="0" g="0" b="0"/>
+      </a:fillRef>
+      <a:effectRef idx="0">
+        <a:scrgbClr r="0" g="0" b="0"/>
+      </a:effectRef>
+      <a:fontRef idx="minor">
+        <a:schemeClr val="lt1"/>
+      </a:fontRef>
+    </dgm:style>
+  </dgm:styleLbl>
+  <dgm:styleLbl name="parChTrans1D1">
+    <dgm:scene3d>
+      <a:camera prst="orthographicFront"/>
+      <a:lightRig rig="threePt" dir="t"/>
+    </dgm:scene3d>
+    <dgm:txPr/>
+    <dgm:style>
+      <a:lnRef idx="2">
+        <a:scrgbClr r="0" g="0" b="0"/>
+      </a:lnRef>
+      <a:fillRef idx="0">
+        <a:scrgbClr r="0" g="0" b="0"/>
+      </a:fillRef>
+      <a:effectRef idx="0">
+        <a:scrgbClr r="0" g="0" b="0"/>
+      </a:effectRef>
+      <a:fontRef idx="minor"/>
+    </dgm:style>
+  </dgm:styleLbl>
+  <dgm:styleLbl name="parChTrans1D2">
+    <dgm:scene3d>
+      <a:camera prst="orthographicFront"/>
+      <a:lightRig rig="threePt" dir="t"/>
+    </dgm:scene3d>
+    <dgm:txPr/>
+    <dgm:style>
+      <a:lnRef idx="2">
+        <a:scrgbClr r="0" g="0" b="0"/>
+      </a:lnRef>
+      <a:fillRef idx="0">
+        <a:scrgbClr r="0" g="0" b="0"/>
+      </a:fillRef>
+      <a:effectRef idx="0">
+        <a:scrgbClr r="0" g="0" b="0"/>
+      </a:effectRef>
+      <a:fontRef idx="minor"/>
+    </dgm:style>
+  </dgm:styleLbl>
+  <dgm:styleLbl name="parChTrans1D3">
+    <dgm:scene3d>
+      <a:camera prst="orthographicFront"/>
+      <a:lightRig rig="threePt" dir="t"/>
+    </dgm:scene3d>
+    <dgm:txPr/>
+    <dgm:style>
+      <a:lnRef idx="2">
+        <a:scrgbClr r="0" g="0" b="0"/>
+      </a:lnRef>
+      <a:fillRef idx="0">
+        <a:scrgbClr r="0" g="0" b="0"/>
+      </a:fillRef>
+      <a:effectRef idx="0">
+        <a:scrgbClr r="0" g="0" b="0"/>
+      </a:effectRef>
+      <a:fontRef idx="minor"/>
+    </dgm:style>
+  </dgm:styleLbl>
+  <dgm:styleLbl name="parChTrans1D4">
+    <dgm:scene3d>
+      <a:camera prst="orthographicFront"/>
+      <a:lightRig rig="threePt" dir="t"/>
+    </dgm:scene3d>
+    <dgm:txPr/>
+    <dgm:style>
+      <a:lnRef idx="2">
+        <a:scrgbClr r="0" g="0" b="0"/>
+      </a:lnRef>
+      <a:fillRef idx="0">
+        <a:scrgbClr r="0" g="0" b="0"/>
+      </a:fillRef>
+      <a:effectRef idx="0">
+        <a:scrgbClr r="0" g="0" b="0"/>
+      </a:effectRef>
+      <a:fontRef idx="minor"/>
+    </dgm:style>
+  </dgm:styleLbl>
+  <dgm:styleLbl name="parChTrans2D1">
+    <dgm:scene3d>
+      <a:camera prst="orthographicFront"/>
+      <a:lightRig rig="threePt" dir="t"/>
+    </dgm:scene3d>
+    <dgm:txPr/>
+    <dgm:style>
+      <a:lnRef idx="2">
+        <a:scrgbClr r="0" g="0" b="0"/>
+      </a:lnRef>
+      <a:fillRef idx="1">
+        <a:scrgbClr r="0" g="0" b="0"/>
+      </a:fillRef>
+      <a:effectRef idx="0">
+        <a:scrgbClr r="0" g="0" b="0"/>
+      </a:effectRef>
+      <a:fontRef idx="minor">
+        <a:schemeClr val="lt1"/>
+      </a:fontRef>
+    </dgm:style>
+  </dgm:styleLbl>
+  <dgm:styleLbl name="parChTrans2D2">
+    <dgm:scene3d>
+      <a:camera prst="orthographicFront"/>
+      <a:lightRig rig="threePt" dir="t"/>
+    </dgm:scene3d>
+    <dgm:txPr/>
+    <dgm:style>
+      <a:lnRef idx="2">
+        <a:scrgbClr r="0" g="0" b="0"/>
+      </a:lnRef>
+      <a:fillRef idx="1">
+        <a:scrgbClr r="0" g="0" b="0"/>
+      </a:fillRef>
+      <a:effectRef idx="0">
+        <a:scrgbClr r="0" g="0" b="0"/>
+      </a:effectRef>
+      <a:fontRef idx="minor">
+        <a:schemeClr val="lt1"/>
+      </a:fontRef>
+    </dgm:style>
+  </dgm:styleLbl>
+  <dgm:styleLbl name="parChTrans2D3">
+    <dgm:scene3d>
+      <a:camera prst="orthographicFront"/>
+      <a:lightRig rig="threePt" dir="t"/>
+    </dgm:scene3d>
+    <dgm:txPr/>
+    <dgm:style>
+      <a:lnRef idx="2">
+        <a:scrgbClr r="0" g="0" b="0"/>
+      </a:lnRef>
+      <a:fillRef idx="1">
+        <a:scrgbClr r="0" g="0" b="0"/>
+      </a:fillRef>
+      <a:effectRef idx="0">
+        <a:scrgbClr r="0" g="0" b="0"/>
+      </a:effectRef>
+      <a:fontRef idx="minor">
+        <a:schemeClr val="lt1"/>
+      </a:fontRef>
+    </dgm:style>
+  </dgm:styleLbl>
+  <dgm:styleLbl name="parChTrans2D4">
+    <dgm:scene3d>
+      <a:camera prst="orthographicFront"/>
+      <a:lightRig rig="threePt" dir="t"/>
+    </dgm:scene3d>
+    <dgm:txPr/>
+    <dgm:style>
+      <a:lnRef idx="2">
+        <a:scrgbClr r="0" g="0" b="0"/>
+      </a:lnRef>
+      <a:fillRef idx="1">
+        <a:scrgbClr r="0" g="0" b="0"/>
+      </a:fillRef>
+      <a:effectRef idx="0">
+        <a:scrgbClr r="0" g="0" b="0"/>
+      </a:effectRef>
+      <a:fontRef idx="minor">
+        <a:schemeClr val="lt1"/>
+      </a:fontRef>
+    </dgm:style>
+  </dgm:styleLbl>
+  <dgm:styleLbl name="revTx">
+    <dgm:scene3d>
+      <a:camera prst="orthographicFront"/>
+      <a:lightRig rig="threePt" dir="t"/>
+    </dgm:scene3d>
+    <dgm:txPr/>
+    <dgm:style>
+      <a:lnRef idx="0">
+        <a:scrgbClr r="0" g="0" b="0"/>
+      </a:lnRef>
+      <a:fillRef idx="0">
+        <a:scrgbClr r="0" g="0" b="0"/>
+      </a:fillRef>
+      <a:effectRef idx="0">
+        <a:scrgbClr r="0" g="0" b="0"/>
+      </a:effectRef>
+      <a:fontRef idx="minor"/>
+    </dgm:style>
+  </dgm:styleLbl>
+  <dgm:styleLbl name="sibTrans1D1">
+    <dgm:scene3d>
+      <a:camera prst="orthographicFront"/>
+      <a:lightRig rig="threePt" dir="t"/>
+    </dgm:scene3d>
+    <dgm:txPr/>
+    <dgm:style>
+      <a:lnRef idx="1">
+        <a:scrgbClr r="0" g="0" b="0"/>
+      </a:lnRef>
+      <a:fillRef idx="0">
+        <a:scrgbClr r="0" g="0" b="0"/>
+      </a:fillRef>
+      <a:effectRef idx="0">
+        <a:scrgbClr r="0" g="0" b="0"/>
+      </a:effectRef>
+      <a:fontRef idx="minor"/>
+    </dgm:style>
+  </dgm:styleLbl>
+  <dgm:styleLbl name="sibTrans2D1">
+    <dgm:scene3d>
+      <a:camera prst="orthographicFront"/>
+      <a:lightRig rig="threePt" dir="t"/>
+    </dgm:scene3d>
+    <dgm:txPr/>
+    <dgm:style>
+      <a:lnRef idx="0">
+        <a:scrgbClr r="0" g="0" b="0"/>
+      </a:lnRef>
+      <a:fillRef idx="1">
+        <a:scrgbClr r="0" g="0" b="0"/>
+      </a:fillRef>
+      <a:effectRef idx="0">
+        <a:scrgbClr r="0" g="0" b="0"/>
+      </a:effectRef>
+      <a:fontRef idx="minor">
+        <a:schemeClr val="lt1"/>
+      </a:fontRef>
+    </dgm:style>
+  </dgm:styleLbl>
+  <dgm:styleLbl name="solidAlignAcc1">
+    <dgm:scene3d>
+      <a:camera prst="orthographicFront"/>
+      <a:lightRig rig="threePt" dir="t"/>
+    </dgm:scene3d>
+    <dgm:txPr/>
+    <dgm:style>
+      <a:lnRef idx="2">
+        <a:scrgbClr r="0" g="0" b="0"/>
+      </a:lnRef>
+      <a:fillRef idx="1">
+        <a:scrgbClr r="0" g="0" b="0"/>
+      </a:fillRef>
+      <a:effectRef idx="0">
+        <a:scrgbClr r="0" g="0" b="0"/>
+      </a:effectRef>
+      <a:fontRef idx="minor"/>
+    </dgm:style>
+  </dgm:styleLbl>
+  <dgm:styleLbl name="solidBgAcc1">
+    <dgm:scene3d>
+      <a:camera prst="orthographicFront"/>
+      <a:lightRig rig="threePt" dir="t"/>
+    </dgm:scene3d>
+    <dgm:txPr/>
+    <dgm:style>
+      <a:lnRef idx="2">
+        <a:scrgbClr r="0" g="0" b="0"/>
+      </a:lnRef>
+      <a:fillRef idx="1">
+        <a:scrgbClr r="0" g="0" b="0"/>
+      </a:fillRef>
+      <a:effectRef idx="0">
+        <a:scrgbClr r="0" g="0" b="0"/>
+      </a:effectRef>
+      <a:fontRef idx="minor"/>
+    </dgm:style>
+  </dgm:styleLbl>
+  <dgm:styleLbl name="solidFgAcc1">
+    <dgm:scene3d>
+      <a:camera prst="orthographicFront"/>
+      <a:lightRig rig="threePt" dir="t"/>
+    </dgm:scene3d>
+    <dgm:txPr/>
+    <dgm:style>
+      <a:lnRef idx="2">
+        <a:scrgbClr r="0" g="0" b="0"/>
+      </a:lnRef>
+      <a:fillRef idx="1">
+        <a:scrgbClr r="0" g="0" b="0"/>
+      </a:fillRef>
+      <a:effectRef idx="0">
+        <a:scrgbClr r="0" g="0" b="0"/>
+      </a:effectRef>
+      <a:fontRef idx="minor"/>
+    </dgm:style>
+  </dgm:styleLbl>
+  <dgm:styleLbl name="trAlignAcc1">
+    <dgm:scene3d>
+      <a:camera prst="orthographicFront"/>
+      <a:lightRig rig="threePt" dir="t"/>
+    </dgm:scene3d>
+    <dgm:txPr/>
+    <dgm:style>
+      <a:lnRef idx="1">
+        <a:scrgbClr r="0" g="0" b="0"/>
+      </a:lnRef>
+      <a:fillRef idx="1">
+        <a:scrgbClr r="0" g="0" b="0"/>
+      </a:fillRef>
+      <a:effectRef idx="0">
+        <a:scrgbClr r="0" g="0" b="0"/>
+      </a:effectRef>
+      <a:fontRef idx="minor"/>
+    </dgm:style>
+  </dgm:styleLbl>
+  <dgm:styleLbl name="trBgShp">
+    <dgm:scene3d>
+      <a:camera prst="orthographicFront"/>
+      <a:lightRig rig="threePt" dir="t"/>
+    </dgm:scene3d>
+    <dgm:txPr/>
+    <dgm:style>
+      <a:lnRef idx="0">
+        <a:scrgbClr r="0" g="0" b="0"/>
+      </a:lnRef>
+      <a:fillRef idx="1">
+        <a:scrgbClr r="0" g="0" b="0"/>
+      </a:fillRef>
+      <a:effectRef idx="0">
+        <a:scrgbClr r="0" g="0" b="0"/>
+      </a:effectRef>
+      <a:fontRef idx="minor"/>
+    </dgm:style>
+  </dgm:styleLbl>
+  <dgm:styleLbl name="vennNode1">
+    <dgm:scene3d>
+      <a:camera prst="orthographicFront"/>
+      <a:lightRig rig="threePt" dir="t"/>
+    </dgm:scene3d>
+    <dgm:txPr/>
+    <dgm:style>
+      <a:lnRef idx="2">
+        <a:scrgbClr r="0" g="0" b="0"/>
+      </a:lnRef>
+      <a:fillRef idx="1">
+        <a:scrgbClr r="0" g="0" b="0"/>
+      </a:fillRef>
+      <a:effectRef idx="0">
+        <a:scrgbClr r="0" g="0" b="0"/>
+      </a:effectRef>
+      <a:fontRef idx="minor">
+        <a:schemeClr val="tx1"/>
+      </a:fontRef>
+    </dgm:style>
+  </dgm:styleLbl>
+</dgm:styleDef>
 </file>
 
 <file path=ppt/handoutMasters/handoutMaster1.xml><?xml version="1.0" encoding="utf-8"?>
@@ -6243,7 +9239,7 @@
       </p:pic>
       <p:pic>
         <p:nvPicPr>
-          <p:cNvPr id="5" name="44B7C0F4-79DB-4F8B-9303-0E098D69D8BE-3" descr="qt_temp"/>
+          <p:cNvPr id="5" name="44B7C0F4-79DB-4F8B-9303-0E098D69D8BE-2" descr="qt_temp"/>
           <p:cNvPicPr>
             <a:picLocks noChangeAspect="true"/>
           </p:cNvPicPr>
@@ -20880,7 +23876,51 @@
                 <a:ea typeface="微软雅黑" panose="020B0503020204020204" charset="-122"/>
                 <a:sym typeface="+mn-ea"/>
               </a:rPr>
-              <a:t>标题</a:t>
+              <a:t>人类文明的“点</a:t>
+            </a:r>
+            <a:r>
+              <a:rPr lang="en-US" altLang="zh-CN" sz="3200" dirty="0">
+                <a:solidFill>
+                  <a:schemeClr val="bg1"/>
+                </a:solidFill>
+                <a:latin typeface="微软雅黑" panose="020B0503020204020204" charset="-122"/>
+                <a:ea typeface="微软雅黑" panose="020B0503020204020204" charset="-122"/>
+                <a:sym typeface="+mn-ea"/>
+              </a:rPr>
+              <a:t>-</a:t>
+            </a:r>
+            <a:r>
+              <a:rPr lang="zh-CN" altLang="en-US" sz="3200" dirty="0">
+                <a:solidFill>
+                  <a:schemeClr val="bg1"/>
+                </a:solidFill>
+                <a:latin typeface="微软雅黑" panose="020B0503020204020204" charset="-122"/>
+                <a:ea typeface="微软雅黑" panose="020B0503020204020204" charset="-122"/>
+                <a:sym typeface="+mn-ea"/>
+              </a:rPr>
+              <a:t>线</a:t>
+            </a:r>
+            <a:r>
+              <a:rPr lang="en-US" altLang="zh-CN" sz="3200" dirty="0">
+                <a:solidFill>
+                  <a:schemeClr val="bg1"/>
+                </a:solidFill>
+                <a:latin typeface="微软雅黑" panose="020B0503020204020204" charset="-122"/>
+                <a:ea typeface="微软雅黑" panose="020B0503020204020204" charset="-122"/>
+                <a:sym typeface="+mn-ea"/>
+              </a:rPr>
+              <a:t>-</a:t>
+            </a:r>
+            <a:r>
+              <a:rPr lang="zh-CN" altLang="en-US" sz="3200" dirty="0">
+                <a:solidFill>
+                  <a:schemeClr val="bg1"/>
+                </a:solidFill>
+                <a:latin typeface="微软雅黑" panose="020B0503020204020204" charset="-122"/>
+                <a:ea typeface="微软雅黑" panose="020B0503020204020204" charset="-122"/>
+                <a:sym typeface="+mn-ea"/>
+              </a:rPr>
+              <a:t>网”发展历程</a:t>
             </a:r>
             <a:endParaRPr lang="zh-CN" altLang="en-US" sz="3200" dirty="0">
               <a:solidFill>
@@ -20889,6 +23929,348 @@
               <a:latin typeface="微软雅黑" panose="020B0503020204020204" charset="-122"/>
               <a:ea typeface="微软雅黑" panose="020B0503020204020204" charset="-122"/>
               <a:sym typeface="+mn-ea"/>
+            </a:endParaRPr>
+          </a:p>
+        </p:txBody>
+      </p:sp>
+      <p:pic>
+        <p:nvPicPr>
+          <p:cNvPr id="3" name="图片 2"/>
+          <p:cNvPicPr>
+            <a:picLocks noChangeAspect="true"/>
+          </p:cNvPicPr>
+          <p:nvPr/>
+        </p:nvPicPr>
+        <p:blipFill>
+          <a:blip r:embed="rId4"/>
+          <a:srcRect l="3092" t="9952" r="4037" b="9485"/>
+          <a:stretch>
+            <a:fillRect/>
+          </a:stretch>
+        </p:blipFill>
+        <p:spPr>
+          <a:xfrm>
+            <a:off x="4394835" y="1456690"/>
+            <a:ext cx="3881120" cy="1909445"/>
+          </a:xfrm>
+          <a:prstGeom prst="rect">
+            <a:avLst/>
+          </a:prstGeom>
+        </p:spPr>
+      </p:pic>
+      <p:pic>
+        <p:nvPicPr>
+          <p:cNvPr id="5" name="图片 4"/>
+          <p:cNvPicPr>
+            <a:picLocks noChangeAspect="true"/>
+          </p:cNvPicPr>
+          <p:nvPr/>
+        </p:nvPicPr>
+        <p:blipFill>
+          <a:blip r:embed="rId5"/>
+          <a:srcRect b="6342"/>
+          <a:stretch>
+            <a:fillRect/>
+          </a:stretch>
+        </p:blipFill>
+        <p:spPr>
+          <a:xfrm>
+            <a:off x="8828405" y="1341120"/>
+            <a:ext cx="2346325" cy="2307590"/>
+          </a:xfrm>
+          <a:prstGeom prst="rect">
+            <a:avLst/>
+          </a:prstGeom>
+        </p:spPr>
+      </p:pic>
+      <p:grpSp>
+        <p:nvGrpSpPr>
+          <p:cNvPr id="7" name="组合 6"/>
+          <p:cNvGrpSpPr/>
+          <p:nvPr/>
+        </p:nvGrpSpPr>
+        <p:grpSpPr>
+          <a:xfrm>
+            <a:off x="549275" y="1576070"/>
+            <a:ext cx="3604260" cy="1671320"/>
+            <a:chOff x="865" y="5756"/>
+            <a:chExt cx="5676" cy="2632"/>
+          </a:xfrm>
+        </p:grpSpPr>
+        <p:pic>
+          <p:nvPicPr>
+            <p:cNvPr id="4" name="图片 3"/>
+            <p:cNvPicPr>
+              <a:picLocks noChangeAspect="true"/>
+            </p:cNvPicPr>
+            <p:nvPr/>
+          </p:nvPicPr>
+          <p:blipFill>
+            <a:blip r:embed="rId6"/>
+            <a:srcRect b="8738"/>
+            <a:stretch>
+              <a:fillRect/>
+            </a:stretch>
+          </p:blipFill>
+          <p:spPr>
+            <a:xfrm>
+              <a:off x="865" y="5756"/>
+              <a:ext cx="5676" cy="2632"/>
+            </a:xfrm>
+            <a:prstGeom prst="round2DiagRect">
+              <a:avLst/>
+            </a:prstGeom>
+          </p:spPr>
+        </p:pic>
+        <p:sp>
+          <p:nvSpPr>
+            <p:cNvPr id="6" name="矩形 5"/>
+            <p:cNvSpPr/>
+            <p:nvPr/>
+          </p:nvSpPr>
+          <p:spPr>
+            <a:xfrm>
+              <a:off x="4045" y="8096"/>
+              <a:ext cx="1865" cy="292"/>
+            </a:xfrm>
+            <a:prstGeom prst="rect">
+              <a:avLst/>
+            </a:prstGeom>
+            <a:solidFill>
+              <a:srgbClr val="FFFFFF"/>
+            </a:solidFill>
+            <a:ln>
+              <a:noFill/>
+            </a:ln>
+          </p:spPr>
+          <p:style>
+            <a:lnRef idx="2">
+              <a:schemeClr val="accent1">
+                <a:shade val="50000"/>
+              </a:schemeClr>
+            </a:lnRef>
+            <a:fillRef idx="1">
+              <a:schemeClr val="accent1"/>
+            </a:fillRef>
+            <a:effectRef idx="0">
+              <a:schemeClr val="accent1"/>
+            </a:effectRef>
+            <a:fontRef idx="minor">
+              <a:schemeClr val="lt1"/>
+            </a:fontRef>
+          </p:style>
+          <p:txBody>
+            <a:bodyPr rtlCol="0" anchor="ctr"/>
+            <a:p>
+              <a:pPr algn="ctr"/>
+              <a:endParaRPr lang="zh-CN" altLang="en-US"/>
+            </a:p>
+          </p:txBody>
+        </p:sp>
+      </p:grpSp>
+      <p:sp>
+        <p:nvSpPr>
+          <p:cNvPr id="8" name="文本框 7"/>
+          <p:cNvSpPr txBox="true"/>
+          <p:nvPr/>
+        </p:nvSpPr>
+        <p:spPr>
+          <a:xfrm>
+            <a:off x="369570" y="4297045"/>
+            <a:ext cx="3783965" cy="1337945"/>
+          </a:xfrm>
+          <a:prstGeom prst="rect">
+            <a:avLst/>
+          </a:prstGeom>
+          <a:noFill/>
+        </p:spPr>
+        <p:txBody>
+          <a:bodyPr wrap="square" rtlCol="0">
+            <a:spAutoFit/>
+          </a:bodyPr>
+          <a:p>
+            <a:pPr indent="0" algn="just" fontAlgn="auto">
+              <a:lnSpc>
+                <a:spcPct val="150000"/>
+              </a:lnSpc>
+              <a:buFont typeface="Arial" panose="020B0604020202020204" pitchFamily="34" charset="0"/>
+              <a:buNone/>
+            </a:pPr>
+            <a:r>
+              <a:rPr lang="zh-CN" b="1">
+                <a:solidFill>
+                  <a:srgbClr val="00B0F0"/>
+                </a:solidFill>
+                <a:latin typeface="微软雅黑" panose="020B0503020204020204" charset="-122"/>
+                <a:ea typeface="微软雅黑" panose="020B0503020204020204" charset="-122"/>
+              </a:rPr>
+              <a:t>农业文明</a:t>
+            </a:r>
+            <a:r>
+              <a:rPr lang="zh-CN">
+                <a:latin typeface="微软雅黑" panose="020B0503020204020204" charset="-122"/>
+                <a:ea typeface="微软雅黑" panose="020B0503020204020204" charset="-122"/>
+              </a:rPr>
+              <a:t>的“</a:t>
+            </a:r>
+            <a:r>
+              <a:rPr lang="zh-CN" b="1">
+                <a:solidFill>
+                  <a:srgbClr val="00B0F0"/>
+                </a:solidFill>
+                <a:latin typeface="微软雅黑" panose="020B0503020204020204" charset="-122"/>
+                <a:ea typeface="微软雅黑" panose="020B0503020204020204" charset="-122"/>
+              </a:rPr>
+              <a:t>点</a:t>
+            </a:r>
+            <a:r>
+              <a:rPr lang="zh-CN">
+                <a:latin typeface="微软雅黑" panose="020B0503020204020204" charset="-122"/>
+                <a:ea typeface="微软雅黑" panose="020B0503020204020204" charset="-122"/>
+              </a:rPr>
+              <a:t>”状结构让人类立足村庄，传承对世界和自己最基础的认知。</a:t>
+            </a:r>
+            <a:endParaRPr lang="zh-CN">
+              <a:latin typeface="微软雅黑" panose="020B0503020204020204" charset="-122"/>
+              <a:ea typeface="微软雅黑" panose="020B0503020204020204" charset="-122"/>
+            </a:endParaRPr>
+          </a:p>
+        </p:txBody>
+      </p:sp>
+      <p:sp>
+        <p:nvSpPr>
+          <p:cNvPr id="9" name="文本框 8"/>
+          <p:cNvSpPr txBox="true"/>
+          <p:nvPr/>
+        </p:nvSpPr>
+        <p:spPr>
+          <a:xfrm>
+            <a:off x="4443730" y="4297045"/>
+            <a:ext cx="3783965" cy="1337945"/>
+          </a:xfrm>
+          <a:prstGeom prst="rect">
+            <a:avLst/>
+          </a:prstGeom>
+          <a:noFill/>
+        </p:spPr>
+        <p:txBody>
+          <a:bodyPr wrap="square" rtlCol="0">
+            <a:spAutoFit/>
+          </a:bodyPr>
+          <a:p>
+            <a:pPr indent="0" algn="just" fontAlgn="auto">
+              <a:lnSpc>
+                <a:spcPct val="150000"/>
+              </a:lnSpc>
+              <a:buFont typeface="Arial" panose="020B0604020202020204" pitchFamily="34" charset="0"/>
+              <a:buNone/>
+            </a:pPr>
+            <a:r>
+              <a:rPr lang="zh-CN" b="1">
+                <a:solidFill>
+                  <a:srgbClr val="00B0F0"/>
+                </a:solidFill>
+                <a:latin typeface="微软雅黑" panose="020B0503020204020204" charset="-122"/>
+                <a:ea typeface="微软雅黑" panose="020B0503020204020204" charset="-122"/>
+              </a:rPr>
+              <a:t>工业文明</a:t>
+            </a:r>
+            <a:r>
+              <a:rPr lang="zh-CN">
+                <a:latin typeface="微软雅黑" panose="020B0503020204020204" charset="-122"/>
+                <a:ea typeface="微软雅黑" panose="020B0503020204020204" charset="-122"/>
+              </a:rPr>
+              <a:t>的“</a:t>
+            </a:r>
+            <a:r>
+              <a:rPr lang="zh-CN" b="1">
+                <a:solidFill>
+                  <a:srgbClr val="00B0F0"/>
+                </a:solidFill>
+                <a:latin typeface="微软雅黑" panose="020B0503020204020204" charset="-122"/>
+                <a:ea typeface="微软雅黑" panose="020B0503020204020204" charset="-122"/>
+              </a:rPr>
+              <a:t>线</a:t>
+            </a:r>
+            <a:r>
+              <a:rPr lang="zh-CN">
+                <a:latin typeface="微软雅黑" panose="020B0503020204020204" charset="-122"/>
+                <a:ea typeface="微软雅黑" panose="020B0503020204020204" charset="-122"/>
+              </a:rPr>
+              <a:t>”状结构让人类建立城市，级大地提升了理解和改造世界的能力。</a:t>
+            </a:r>
+            <a:endParaRPr lang="zh-CN">
+              <a:latin typeface="微软雅黑" panose="020B0503020204020204" charset="-122"/>
+              <a:ea typeface="微软雅黑" panose="020B0503020204020204" charset="-122"/>
+            </a:endParaRPr>
+          </a:p>
+        </p:txBody>
+      </p:sp>
+      <p:sp>
+        <p:nvSpPr>
+          <p:cNvPr id="10" name="文本框 9"/>
+          <p:cNvSpPr txBox="true"/>
+          <p:nvPr/>
+        </p:nvSpPr>
+        <p:spPr>
+          <a:xfrm>
+            <a:off x="8436610" y="4297045"/>
+            <a:ext cx="3482340" cy="1337945"/>
+          </a:xfrm>
+          <a:prstGeom prst="rect">
+            <a:avLst/>
+          </a:prstGeom>
+          <a:noFill/>
+        </p:spPr>
+        <p:txBody>
+          <a:bodyPr wrap="square" rtlCol="0">
+            <a:spAutoFit/>
+          </a:bodyPr>
+          <a:p>
+            <a:pPr indent="0" algn="just" fontAlgn="auto">
+              <a:lnSpc>
+                <a:spcPct val="150000"/>
+              </a:lnSpc>
+              <a:buFont typeface="Arial" panose="020B0604020202020204" pitchFamily="34" charset="0"/>
+              <a:buNone/>
+            </a:pPr>
+            <a:r>
+              <a:rPr lang="zh-CN" b="1">
+                <a:solidFill>
+                  <a:srgbClr val="00B0F0"/>
+                </a:solidFill>
+                <a:latin typeface="微软雅黑" panose="020B0503020204020204" charset="-122"/>
+                <a:ea typeface="微软雅黑" panose="020B0503020204020204" charset="-122"/>
+              </a:rPr>
+              <a:t>互联网</a:t>
+            </a:r>
+            <a:r>
+              <a:rPr lang="zh-CN">
+                <a:latin typeface="微软雅黑" panose="020B0503020204020204" charset="-122"/>
+                <a:ea typeface="微软雅黑" panose="020B0503020204020204" charset="-122"/>
+              </a:rPr>
+              <a:t>的“</a:t>
+            </a:r>
+            <a:r>
+              <a:rPr lang="zh-CN" b="1">
+                <a:solidFill>
+                  <a:srgbClr val="00B0F0"/>
+                </a:solidFill>
+                <a:latin typeface="微软雅黑" panose="020B0503020204020204" charset="-122"/>
+                <a:ea typeface="微软雅黑" panose="020B0503020204020204" charset="-122"/>
+              </a:rPr>
+              <a:t>网</a:t>
+            </a:r>
+            <a:r>
+              <a:rPr lang="zh-CN">
+                <a:latin typeface="微软雅黑" panose="020B0503020204020204" charset="-122"/>
+                <a:ea typeface="微软雅黑" panose="020B0503020204020204" charset="-122"/>
+              </a:rPr>
+              <a:t>”状结构让人们在未来的网络协同中充分发挥创造性，让创新价值更凸显。</a:t>
+            </a:r>
+            <a:endParaRPr lang="zh-CN">
+              <a:latin typeface="微软雅黑" panose="020B0503020204020204" charset="-122"/>
+              <a:ea typeface="微软雅黑" panose="020B0503020204020204" charset="-122"/>
             </a:endParaRPr>
           </a:p>
         </p:txBody>
@@ -21334,7 +24716,7 @@
                 <a:ea typeface="微软雅黑" panose="020B0503020204020204" charset="-122"/>
                 <a:sym typeface="+mn-ea"/>
               </a:rPr>
-              <a:t>标题</a:t>
+              <a:t>网络协同：新经济范式革命</a:t>
             </a:r>
             <a:endParaRPr lang="zh-CN" altLang="en-US" sz="3200" dirty="0">
               <a:solidFill>
@@ -21343,6 +24725,334 @@
               <a:latin typeface="微软雅黑" panose="020B0503020204020204" charset="-122"/>
               <a:ea typeface="微软雅黑" panose="020B0503020204020204" charset="-122"/>
               <a:sym typeface="+mn-ea"/>
+            </a:endParaRPr>
+          </a:p>
+        </p:txBody>
+      </p:sp>
+      <p:sp>
+        <p:nvSpPr>
+          <p:cNvPr id="4" name="文本框 3"/>
+          <p:cNvSpPr txBox="true"/>
+          <p:nvPr/>
+        </p:nvSpPr>
+        <p:spPr>
+          <a:xfrm>
+            <a:off x="1322705" y="1123950"/>
+            <a:ext cx="9546590" cy="4707890"/>
+          </a:xfrm>
+          <a:prstGeom prst="rect">
+            <a:avLst/>
+          </a:prstGeom>
+          <a:noFill/>
+        </p:spPr>
+        <p:txBody>
+          <a:bodyPr wrap="square" rtlCol="0">
+            <a:spAutoFit/>
+          </a:bodyPr>
+          <a:p>
+            <a:pPr marL="342900" indent="-342900" fontAlgn="auto">
+              <a:lnSpc>
+                <a:spcPct val="150000"/>
+              </a:lnSpc>
+              <a:buFont typeface="Wingdings" panose="05000000000000000000" charset="0"/>
+              <a:buChar char=""/>
+            </a:pPr>
+            <a:r>
+              <a:rPr lang="zh-CN" sz="2000" b="1">
+                <a:latin typeface="微软雅黑" panose="020B0503020204020204" charset="-122"/>
+                <a:ea typeface="微软雅黑" panose="020B0503020204020204" charset="-122"/>
+              </a:rPr>
+              <a:t>农业时代</a:t>
+            </a:r>
+            <a:endParaRPr lang="zh-CN" sz="2000">
+              <a:latin typeface="微软雅黑" panose="020B0503020204020204" charset="-122"/>
+              <a:ea typeface="微软雅黑" panose="020B0503020204020204" charset="-122"/>
+            </a:endParaRPr>
+          </a:p>
+          <a:p>
+            <a:pPr indent="0" fontAlgn="auto">
+              <a:lnSpc>
+                <a:spcPct val="150000"/>
+              </a:lnSpc>
+              <a:buFont typeface="Wingdings" panose="05000000000000000000" charset="0"/>
+              <a:buNone/>
+            </a:pPr>
+            <a:r>
+              <a:rPr lang="zh-CN" altLang="en-US" sz="2000">
+                <a:latin typeface="微软雅黑" panose="020B0503020204020204" charset="-122"/>
+                <a:ea typeface="微软雅黑" panose="020B0503020204020204" charset="-122"/>
+              </a:rPr>
+              <a:t>自给自足、村社范围的</a:t>
+            </a:r>
+            <a:r>
+              <a:rPr lang="zh-CN" altLang="en-US" sz="2000" b="1">
+                <a:solidFill>
+                  <a:srgbClr val="00B0F0"/>
+                </a:solidFill>
+                <a:latin typeface="微软雅黑" panose="020B0503020204020204" charset="-122"/>
+                <a:ea typeface="微软雅黑" panose="020B0503020204020204" charset="-122"/>
+              </a:rPr>
+              <a:t>简单交换</a:t>
+            </a:r>
+            <a:r>
+              <a:rPr lang="zh-CN" altLang="en-US" sz="2000">
+                <a:latin typeface="微软雅黑" panose="020B0503020204020204" charset="-122"/>
+                <a:ea typeface="微软雅黑" panose="020B0503020204020204" charset="-122"/>
+              </a:rPr>
+              <a:t>的经济范式可以用“点”描述。</a:t>
+            </a:r>
+            <a:endParaRPr lang="zh-CN" altLang="en-US" sz="2000">
+              <a:latin typeface="微软雅黑" panose="020B0503020204020204" charset="-122"/>
+              <a:ea typeface="微软雅黑" panose="020B0503020204020204" charset="-122"/>
+            </a:endParaRPr>
+          </a:p>
+          <a:p>
+            <a:pPr marL="342900" indent="-342900" fontAlgn="auto">
+              <a:lnSpc>
+                <a:spcPct val="150000"/>
+              </a:lnSpc>
+              <a:buFont typeface="Wingdings" panose="05000000000000000000" charset="0"/>
+              <a:buChar char=""/>
+            </a:pPr>
+            <a:r>
+              <a:rPr lang="zh-CN" altLang="en-US" sz="2000" b="1">
+                <a:latin typeface="微软雅黑" panose="020B0503020204020204" charset="-122"/>
+                <a:ea typeface="微软雅黑" panose="020B0503020204020204" charset="-122"/>
+              </a:rPr>
+              <a:t>工业时代</a:t>
+            </a:r>
+            <a:endParaRPr lang="zh-CN" altLang="en-US" sz="2000">
+              <a:latin typeface="微软雅黑" panose="020B0503020204020204" charset="-122"/>
+              <a:ea typeface="微软雅黑" panose="020B0503020204020204" charset="-122"/>
+            </a:endParaRPr>
+          </a:p>
+          <a:p>
+            <a:pPr indent="0" fontAlgn="auto">
+              <a:lnSpc>
+                <a:spcPct val="150000"/>
+              </a:lnSpc>
+              <a:buFont typeface="Wingdings" panose="05000000000000000000" charset="0"/>
+              <a:buNone/>
+            </a:pPr>
+            <a:r>
+              <a:rPr lang="zh-CN" altLang="en-US" sz="2000">
+                <a:latin typeface="微软雅黑" panose="020B0503020204020204" charset="-122"/>
+                <a:ea typeface="微软雅黑" panose="020B0503020204020204" charset="-122"/>
+              </a:rPr>
+              <a:t>“线”是经济范式的典型意向，如</a:t>
+            </a:r>
+            <a:r>
+              <a:rPr lang="zh-CN" altLang="en-US" sz="2000" b="1">
+                <a:solidFill>
+                  <a:srgbClr val="00B0F0"/>
+                </a:solidFill>
+                <a:latin typeface="微软雅黑" panose="020B0503020204020204" charset="-122"/>
+                <a:ea typeface="微软雅黑" panose="020B0503020204020204" charset="-122"/>
+              </a:rPr>
+              <a:t>流水线</a:t>
+            </a:r>
+            <a:r>
+              <a:rPr lang="zh-CN" altLang="en-US" sz="2000">
+                <a:latin typeface="微软雅黑" panose="020B0503020204020204" charset="-122"/>
+                <a:ea typeface="微软雅黑" panose="020B0503020204020204" charset="-122"/>
+              </a:rPr>
+              <a:t>、</a:t>
+            </a:r>
+            <a:r>
+              <a:rPr lang="zh-CN" altLang="en-US" sz="2000" b="1">
+                <a:solidFill>
+                  <a:srgbClr val="00B0F0"/>
+                </a:solidFill>
+                <a:latin typeface="微软雅黑" panose="020B0503020204020204" charset="-122"/>
+                <a:ea typeface="微软雅黑" panose="020B0503020204020204" charset="-122"/>
+              </a:rPr>
+              <a:t>供应链</a:t>
+            </a:r>
+            <a:r>
+              <a:rPr lang="zh-CN" altLang="en-US" sz="2000">
+                <a:latin typeface="微软雅黑" panose="020B0503020204020204" charset="-122"/>
+                <a:ea typeface="微软雅黑" panose="020B0503020204020204" charset="-122"/>
+              </a:rPr>
+              <a:t>、</a:t>
+            </a:r>
+            <a:r>
+              <a:rPr lang="zh-CN" altLang="en-US" sz="2000" b="1">
+                <a:solidFill>
+                  <a:srgbClr val="00B0F0"/>
+                </a:solidFill>
+                <a:latin typeface="微软雅黑" panose="020B0503020204020204" charset="-122"/>
+                <a:ea typeface="微软雅黑" panose="020B0503020204020204" charset="-122"/>
+              </a:rPr>
+              <a:t>科层制</a:t>
+            </a:r>
+            <a:r>
+              <a:rPr lang="zh-CN" altLang="en-US" sz="2000">
+                <a:latin typeface="微软雅黑" panose="020B0503020204020204" charset="-122"/>
+                <a:ea typeface="微软雅黑" panose="020B0503020204020204" charset="-122"/>
+              </a:rPr>
+              <a:t>。</a:t>
+            </a:r>
+            <a:endParaRPr lang="zh-CN" altLang="en-US" sz="2000">
+              <a:latin typeface="微软雅黑" panose="020B0503020204020204" charset="-122"/>
+              <a:ea typeface="微软雅黑" panose="020B0503020204020204" charset="-122"/>
+            </a:endParaRPr>
+          </a:p>
+          <a:p>
+            <a:pPr marL="342900" indent="-342900" fontAlgn="auto">
+              <a:lnSpc>
+                <a:spcPct val="150000"/>
+              </a:lnSpc>
+              <a:buFont typeface="Wingdings" panose="05000000000000000000" charset="0"/>
+              <a:buChar char=""/>
+            </a:pPr>
+            <a:r>
+              <a:rPr lang="zh-CN" altLang="en-US" sz="2000" b="1">
+                <a:latin typeface="微软雅黑" panose="020B0503020204020204" charset="-122"/>
+                <a:ea typeface="微软雅黑" panose="020B0503020204020204" charset="-122"/>
+              </a:rPr>
+              <a:t>万物互联时代</a:t>
+            </a:r>
+            <a:endParaRPr lang="zh-CN" altLang="en-US" sz="2000">
+              <a:latin typeface="微软雅黑" panose="020B0503020204020204" charset="-122"/>
+              <a:ea typeface="微软雅黑" panose="020B0503020204020204" charset="-122"/>
+            </a:endParaRPr>
+          </a:p>
+          <a:p>
+            <a:pPr indent="0" fontAlgn="auto">
+              <a:lnSpc>
+                <a:spcPct val="150000"/>
+              </a:lnSpc>
+              <a:buFont typeface="Wingdings" panose="05000000000000000000" charset="0"/>
+              <a:buNone/>
+            </a:pPr>
+            <a:r>
+              <a:rPr lang="zh-CN" altLang="en-US" sz="2000">
+                <a:latin typeface="微软雅黑" panose="020B0503020204020204" charset="-122"/>
+                <a:ea typeface="微软雅黑" panose="020B0503020204020204" charset="-122"/>
+              </a:rPr>
+              <a:t>经济范式最根本的特质就是“网”即</a:t>
+            </a:r>
+            <a:r>
+              <a:rPr lang="zh-CN" altLang="en-US" sz="2000" b="1">
+                <a:solidFill>
+                  <a:srgbClr val="00B0F0"/>
+                </a:solidFill>
+                <a:latin typeface="微软雅黑" panose="020B0503020204020204" charset="-122"/>
+                <a:ea typeface="微软雅黑" panose="020B0503020204020204" charset="-122"/>
+              </a:rPr>
+              <a:t>开放的网络结构</a:t>
+            </a:r>
+            <a:r>
+              <a:rPr lang="zh-CN" altLang="en-US" sz="2000">
+                <a:latin typeface="微软雅黑" panose="020B0503020204020204" charset="-122"/>
+                <a:ea typeface="微软雅黑" panose="020B0503020204020204" charset="-122"/>
+              </a:rPr>
+              <a:t>、</a:t>
+            </a:r>
+            <a:r>
+              <a:rPr lang="zh-CN" altLang="en-US" sz="2000" b="1">
+                <a:solidFill>
+                  <a:srgbClr val="00B0F0"/>
+                </a:solidFill>
+                <a:latin typeface="微软雅黑" panose="020B0503020204020204" charset="-122"/>
+                <a:ea typeface="微软雅黑" panose="020B0503020204020204" charset="-122"/>
+              </a:rPr>
+              <a:t>自由的多元协同</a:t>
+            </a:r>
+            <a:r>
+              <a:rPr lang="zh-CN" altLang="en-US" sz="2000">
+                <a:latin typeface="微软雅黑" panose="020B0503020204020204" charset="-122"/>
+                <a:ea typeface="微软雅黑" panose="020B0503020204020204" charset="-122"/>
+              </a:rPr>
+              <a:t>、</a:t>
+            </a:r>
+            <a:r>
+              <a:rPr lang="zh-CN" altLang="en-US" sz="2000" b="1">
+                <a:solidFill>
+                  <a:srgbClr val="00B0F0"/>
+                </a:solidFill>
+                <a:latin typeface="微软雅黑" panose="020B0503020204020204" charset="-122"/>
+                <a:ea typeface="微软雅黑" panose="020B0503020204020204" charset="-122"/>
+              </a:rPr>
+              <a:t>分布式的自组织体系</a:t>
+            </a:r>
+            <a:r>
+              <a:rPr lang="zh-CN" altLang="en-US" sz="2000">
+                <a:latin typeface="微软雅黑" panose="020B0503020204020204" charset="-122"/>
+                <a:ea typeface="微软雅黑" panose="020B0503020204020204" charset="-122"/>
+              </a:rPr>
+              <a:t>。</a:t>
+            </a:r>
+            <a:endParaRPr lang="zh-CN" altLang="en-US" sz="2000">
+              <a:latin typeface="微软雅黑" panose="020B0503020204020204" charset="-122"/>
+              <a:ea typeface="微软雅黑" panose="020B0503020204020204" charset="-122"/>
+            </a:endParaRPr>
+          </a:p>
+          <a:p>
+            <a:pPr indent="0" fontAlgn="auto">
+              <a:lnSpc>
+                <a:spcPct val="150000"/>
+              </a:lnSpc>
+              <a:buFont typeface="Wingdings" panose="05000000000000000000" charset="0"/>
+              <a:buNone/>
+            </a:pPr>
+            <a:endParaRPr lang="zh-CN" altLang="en-US" sz="2000">
+              <a:latin typeface="微软雅黑" panose="020B0503020204020204" charset="-122"/>
+              <a:ea typeface="微软雅黑" panose="020B0503020204020204" charset="-122"/>
+            </a:endParaRPr>
+          </a:p>
+          <a:p>
+            <a:pPr indent="0" fontAlgn="auto">
+              <a:lnSpc>
+                <a:spcPct val="150000"/>
+              </a:lnSpc>
+              <a:buFont typeface="Wingdings" panose="05000000000000000000" charset="0"/>
+              <a:buNone/>
+            </a:pPr>
+            <a:r>
+              <a:rPr lang="zh-CN" altLang="en-US" sz="2000">
+                <a:latin typeface="微软雅黑" panose="020B0503020204020204" charset="-122"/>
+                <a:ea typeface="微软雅黑" panose="020B0503020204020204" charset="-122"/>
+              </a:rPr>
+              <a:t>互联网时代，“</a:t>
+            </a:r>
+            <a:r>
+              <a:rPr lang="zh-CN" altLang="en-US" sz="2000" b="1">
+                <a:solidFill>
+                  <a:srgbClr val="00B0F0"/>
+                </a:solidFill>
+                <a:latin typeface="微软雅黑" panose="020B0503020204020204" charset="-122"/>
+                <a:ea typeface="微软雅黑" panose="020B0503020204020204" charset="-122"/>
+              </a:rPr>
+              <a:t>网络协同</a:t>
+            </a:r>
+            <a:r>
+              <a:rPr lang="zh-CN" altLang="en-US" sz="2000">
+                <a:latin typeface="微软雅黑" panose="020B0503020204020204" charset="-122"/>
+                <a:ea typeface="微软雅黑" panose="020B0503020204020204" charset="-122"/>
+              </a:rPr>
+              <a:t>”这种新的经济范式在商业领域正在取代工业时代相对封闭的体系，成为</a:t>
+            </a:r>
+            <a:r>
+              <a:rPr lang="zh-CN" altLang="en-US" sz="2000" b="1">
+                <a:solidFill>
+                  <a:srgbClr val="00B0F0"/>
+                </a:solidFill>
+                <a:latin typeface="微软雅黑" panose="020B0503020204020204" charset="-122"/>
+                <a:ea typeface="微软雅黑" panose="020B0503020204020204" charset="-122"/>
+              </a:rPr>
+              <a:t>基本合作范式</a:t>
+            </a:r>
+            <a:r>
+              <a:rPr lang="zh-CN" altLang="en-US" sz="2000">
+                <a:latin typeface="微软雅黑" panose="020B0503020204020204" charset="-122"/>
+                <a:ea typeface="微软雅黑" panose="020B0503020204020204" charset="-122"/>
+              </a:rPr>
+              <a:t>。</a:t>
+            </a:r>
+            <a:endParaRPr lang="zh-CN" altLang="en-US" sz="2000">
+              <a:latin typeface="微软雅黑" panose="020B0503020204020204" charset="-122"/>
+              <a:ea typeface="微软雅黑" panose="020B0503020204020204" charset="-122"/>
             </a:endParaRPr>
           </a:p>
         </p:txBody>
@@ -21788,7 +25498,29 @@
                 <a:ea typeface="微软雅黑" panose="020B0503020204020204" charset="-122"/>
                 <a:sym typeface="+mn-ea"/>
               </a:rPr>
-              <a:t>标题</a:t>
+              <a:t>淘宝</a:t>
+            </a:r>
+            <a:r>
+              <a:rPr lang="en-US" altLang="zh-CN" sz="3200" dirty="0">
+                <a:solidFill>
+                  <a:schemeClr val="bg1"/>
+                </a:solidFill>
+                <a:latin typeface="微软雅黑" panose="020B0503020204020204" charset="-122"/>
+                <a:ea typeface="微软雅黑" panose="020B0503020204020204" charset="-122"/>
+                <a:sym typeface="+mn-ea"/>
+              </a:rPr>
+              <a:t>—</a:t>
+            </a:r>
+            <a:r>
+              <a:rPr lang="zh-CN" altLang="en-US" sz="3200" dirty="0">
+                <a:solidFill>
+                  <a:schemeClr val="bg1"/>
+                </a:solidFill>
+                <a:latin typeface="微软雅黑" panose="020B0503020204020204" charset="-122"/>
+                <a:ea typeface="微软雅黑" panose="020B0503020204020204" charset="-122"/>
+                <a:sym typeface="+mn-ea"/>
+              </a:rPr>
+              <a:t>一个协同网络不断生长的过程</a:t>
             </a:r>
             <a:endParaRPr lang="zh-CN" altLang="en-US" sz="3200" dirty="0">
               <a:solidFill>
@@ -21797,6 +25529,123 @@
               <a:latin typeface="微软雅黑" panose="020B0503020204020204" charset="-122"/>
               <a:ea typeface="微软雅黑" panose="020B0503020204020204" charset="-122"/>
               <a:sym typeface="+mn-ea"/>
+            </a:endParaRPr>
+          </a:p>
+        </p:txBody>
+      </p:sp>
+      <p:graphicFrame>
+        <p:nvGraphicFramePr>
+          <p:cNvPr id="3" name="图示 2"/>
+          <p:cNvGraphicFramePr/>
+          <p:nvPr/>
+        </p:nvGraphicFramePr>
+        <p:xfrm>
+          <a:off x="4064000" y="1168400"/>
+          <a:ext cx="8128000" cy="5418455"/>
+        </p:xfrm>
+        <a:graphic>
+          <a:graphicData uri="http://schemas.openxmlformats.org/drawingml/2006/diagram">
+            <dgm:relIds xmlns:dgm="http://schemas.openxmlformats.org/drawingml/2006/diagram" xmlns:r="http://schemas.openxmlformats.org/officeDocument/2006/relationships" r:dm="rId4" r:lo="rId5" r:qs="rId6" r:cs="rId7"/>
+          </a:graphicData>
+        </a:graphic>
+      </p:graphicFrame>
+      <p:pic>
+        <p:nvPicPr>
+          <p:cNvPr id="6" name="图片 5"/>
+          <p:cNvPicPr>
+            <a:picLocks noChangeAspect="true"/>
+          </p:cNvPicPr>
+          <p:nvPr/>
+        </p:nvPicPr>
+        <p:blipFill>
+          <a:blip r:embed="rId9"/>
+          <a:stretch>
+            <a:fillRect/>
+          </a:stretch>
+        </p:blipFill>
+        <p:spPr>
+          <a:xfrm>
+            <a:off x="1151255" y="1360805"/>
+            <a:ext cx="2399030" cy="4404360"/>
+          </a:xfrm>
+          <a:prstGeom prst="rect">
+            <a:avLst/>
+          </a:prstGeom>
+        </p:spPr>
+      </p:pic>
+      <p:sp>
+        <p:nvSpPr>
+          <p:cNvPr id="7" name="右箭头 6"/>
+          <p:cNvSpPr/>
+          <p:nvPr/>
+        </p:nvSpPr>
+        <p:spPr>
+          <a:xfrm>
+            <a:off x="3702050" y="3789680"/>
+            <a:ext cx="1234440" cy="361315"/>
+          </a:xfrm>
+          <a:prstGeom prst="rightArrow">
+            <a:avLst/>
+          </a:prstGeom>
+        </p:spPr>
+        <p:style>
+          <a:lnRef idx="1">
+            <a:schemeClr val="accent1"/>
+          </a:lnRef>
+          <a:fillRef idx="2">
+            <a:schemeClr val="accent1"/>
+          </a:fillRef>
+          <a:effectRef idx="1">
+            <a:schemeClr val="accent1"/>
+          </a:effectRef>
+          <a:fontRef idx="minor">
+            <a:schemeClr val="dk1"/>
+          </a:fontRef>
+        </p:style>
+        <p:txBody>
+          <a:bodyPr rtlCol="0" anchor="ctr"/>
+          <a:p>
+            <a:pPr algn="ctr"/>
+            <a:endParaRPr lang="zh-CN" altLang="en-US"/>
+          </a:p>
+        </p:txBody>
+      </p:sp>
+      <p:sp>
+        <p:nvSpPr>
+          <p:cNvPr id="8" name="文本框 7"/>
+          <p:cNvSpPr txBox="true"/>
+          <p:nvPr/>
+        </p:nvSpPr>
+        <p:spPr>
+          <a:xfrm>
+            <a:off x="785495" y="5847080"/>
+            <a:ext cx="3278505" cy="829945"/>
+          </a:xfrm>
+          <a:prstGeom prst="rect">
+            <a:avLst/>
+          </a:prstGeom>
+          <a:noFill/>
+        </p:spPr>
+        <p:txBody>
+          <a:bodyPr wrap="square" rtlCol="0">
+            <a:spAutoFit/>
+          </a:bodyPr>
+          <a:p>
+            <a:pPr fontAlgn="auto">
+              <a:lnSpc>
+                <a:spcPct val="150000"/>
+              </a:lnSpc>
+            </a:pPr>
+            <a:r>
+              <a:rPr lang="zh-CN" sz="1600">
+                <a:latin typeface="微软雅黑" panose="020B0503020204020204" charset="-122"/>
+                <a:ea typeface="微软雅黑" panose="020B0503020204020204" charset="-122"/>
+              </a:rPr>
+              <a:t>淘宝带给社会的第一个价值是大幅降低开店成本</a:t>
+            </a:r>
+            <a:endParaRPr lang="zh-CN" altLang="en-US" sz="1600">
+              <a:latin typeface="微软雅黑" panose="020B0503020204020204" charset="-122"/>
+              <a:ea typeface="微软雅黑" panose="020B0503020204020204" charset="-122"/>
             </a:endParaRPr>
           </a:p>
         </p:txBody>
@@ -23515,7 +27364,7 @@
     <extobj name="44B7C0F4-79DB-4F8B-9303-0E098D69D8BE-1">
       <extobjdata type="44B7C0F4-79DB-4F8B-9303-0E098D69D8BE" data="ewogICAiTGFzdFVybCIgOiAiaHR0cDovL3d3dy50b3BzY2FuLmNvbS93cHMvaW5kZXguaHRtbD90ZXh0PWh0dHBzJTNBJTJGJTJGd3d3LnByb2Nlc3Nvbi5jb20lMkZ2aWV3JTJGbGluayUyRjYwYzVhNTczNTY1M2JiN2EzMjQyMzQ1MCZ0ZXh0VHlwZT10ZXh0JnJvdW5kPTAmZ3JhZGllbnRXYXk9MCZmdENvbG9yPSUyM2FiYTAwMCZjb250ZW50PSVFNiU4MCU5RCVFNyVCQiVCNCVFNSVBRiVCQyVFNSU5QiVCRSIsCiAgICJMb2dvIiA6ICIiLAogICAiT3JpZ2luYWxVcmwiIDogImh0dHA6Ly93d3cudG9wc2Nhbi5jb20vd3BzL2luZGV4Lmh0bWwiCn0K"/>
     </extobj>
-    <extobj name="44B7C0F4-79DB-4F8B-9303-0E098D69D8BE-3">
+    <extobj name="44B7C0F4-79DB-4F8B-9303-0E098D69D8BE-2">
       <extobjdata type="44B7C0F4-79DB-4F8B-9303-0E098D69D8BE" data="ewogICAiTGFzdFVybCIgOiAiaHR0cDovL3d3dy50b3BzY2FuLmNvbS93cHMvaW5kZXguaHRtbD90ZXh0PWh0dHBzJTNBJTJGJTJGd3d3LnByb2Nlc3Nvbi5jb20lMkZ2aWV3JTJGbGluayUyRjYxMWY1Nzc3N2Q5YzA4MzRhYTYwZDM3NCZ0ZXh0VHlwZT10ZXh0JnJvdW5kPTAmZ3JhZGllbnRXYXk9MCZmdENvbG9yPSUyM2FiYTAwMCZjb250ZW50PSVFNiU4MCU5RCVFNyVCQiVCNCVFNSVBRiVCQyVFNSU5QiVCRSIsCiAgICJMb2dvIiA6ICIiLAogICAiT3JpZ2luYWxVcmwiIDogImh0dHA6Ly93d3cudG9wc2Nhbi5jb20vd3BzL2luZGV4Lmh0bWwiCn0K"/>
     </extobj>
   </extobjs>
